--- a/doc/transit_app.pptx
+++ b/doc/transit_app.pptx
@@ -6,26 +6,27 @@
   </p:sldMasterIdLst>
   <p:sldIdLst>
     <p:sldId id="256" r:id="rId2"/>
-    <p:sldId id="275" r:id="rId3"/>
-    <p:sldId id="283" r:id="rId4"/>
-    <p:sldId id="271" r:id="rId5"/>
-    <p:sldId id="276" r:id="rId6"/>
-    <p:sldId id="278" r:id="rId7"/>
-    <p:sldId id="277" r:id="rId8"/>
-    <p:sldId id="280" r:id="rId9"/>
-    <p:sldId id="281" r:id="rId10"/>
-    <p:sldId id="282" r:id="rId11"/>
-    <p:sldId id="291" r:id="rId12"/>
-    <p:sldId id="287" r:id="rId13"/>
-    <p:sldId id="295" r:id="rId14"/>
-    <p:sldId id="286" r:id="rId15"/>
-    <p:sldId id="296" r:id="rId16"/>
-    <p:sldId id="297" r:id="rId17"/>
-    <p:sldId id="298" r:id="rId18"/>
-    <p:sldId id="299" r:id="rId19"/>
-    <p:sldId id="292" r:id="rId20"/>
-    <p:sldId id="293" r:id="rId21"/>
-    <p:sldId id="294" r:id="rId22"/>
+    <p:sldId id="300" r:id="rId3"/>
+    <p:sldId id="275" r:id="rId4"/>
+    <p:sldId id="283" r:id="rId5"/>
+    <p:sldId id="271" r:id="rId6"/>
+    <p:sldId id="276" r:id="rId7"/>
+    <p:sldId id="278" r:id="rId8"/>
+    <p:sldId id="277" r:id="rId9"/>
+    <p:sldId id="280" r:id="rId10"/>
+    <p:sldId id="281" r:id="rId11"/>
+    <p:sldId id="282" r:id="rId12"/>
+    <p:sldId id="291" r:id="rId13"/>
+    <p:sldId id="287" r:id="rId14"/>
+    <p:sldId id="295" r:id="rId15"/>
+    <p:sldId id="286" r:id="rId16"/>
+    <p:sldId id="296" r:id="rId17"/>
+    <p:sldId id="297" r:id="rId18"/>
+    <p:sldId id="298" r:id="rId19"/>
+    <p:sldId id="299" r:id="rId20"/>
+    <p:sldId id="292" r:id="rId21"/>
+    <p:sldId id="293" r:id="rId22"/>
+    <p:sldId id="294" r:id="rId23"/>
   </p:sldIdLst>
   <p:sldSz cx="12192000" cy="6858000"/>
   <p:notesSz cx="6858000" cy="9144000"/>
@@ -3126,7 +3127,7 @@
           <a:p>
             <a:r>
               <a:rPr lang="en-US" dirty="0" smtClean="0"/>
-              <a:t>Your sex/gender matters</a:t>
+              <a:t>Your race matters</a:t>
             </a:r>
             <a:endParaRPr lang="en-US" dirty="0"/>
           </a:p>
@@ -3142,9 +3143,16 @@
             <p:ph idx="1"/>
           </p:nvPr>
         </p:nvSpPr>
-        <p:spPr/>
-        <p:txBody>
-          <a:bodyPr/>
+        <p:spPr>
+          <a:xfrm>
+            <a:off x="838200" y="1825625"/>
+            <a:ext cx="5305926" cy="4351338"/>
+          </a:xfrm>
+        </p:spPr>
+        <p:txBody>
+          <a:bodyPr>
+            <a:normAutofit fontScale="92500"/>
+          </a:bodyPr>
           <a:lstStyle/>
           <a:p>
             <a:pPr marL="0" indent="0">
@@ -3152,31 +3160,19 @@
             </a:pPr>
             <a:r>
               <a:rPr lang="en-US" dirty="0" smtClean="0"/>
-              <a:t>From our research: If a city has larger female ratio, the floor value is  very likely to have a higher floor value.</a:t>
-            </a:r>
-          </a:p>
-          <a:p>
-            <a:pPr marL="0" indent="0">
-              <a:buNone/>
-            </a:pPr>
-            <a:endParaRPr lang="en-US" dirty="0"/>
-          </a:p>
-          <a:p>
-            <a:pPr marL="0" indent="0">
-              <a:buNone/>
-            </a:pPr>
-            <a:r>
-              <a:rPr lang="en-US" dirty="0" smtClean="0"/>
-              <a:t>From the survey: transit female/male ratio change from 49%/49% to 56%/40%</a:t>
-            </a:r>
-          </a:p>
-          <a:p>
-            <a:pPr marL="0" indent="0">
-              <a:buNone/>
-            </a:pPr>
-            <a:r>
-              <a:rPr lang="en-US" dirty="0" smtClean="0"/>
-              <a:t>In cities like Philadelphia, </a:t>
+              <a:t>From our research:</a:t>
+            </a:r>
+          </a:p>
+          <a:p>
+            <a:r>
+              <a:rPr lang="en-US" dirty="0" smtClean="0"/>
+              <a:t>A city’s demand decrease level is correlated with ratio of African American and Hispanic population.</a:t>
+            </a:r>
+          </a:p>
+          <a:p>
+            <a:r>
+              <a:rPr lang="en-US" dirty="0" smtClean="0"/>
+              <a:t>Cities with </a:t>
             </a:r>
             <a:r>
               <a:rPr lang="en-US" dirty="0" smtClean="0">
@@ -3184,18 +3180,24 @@
                   <a:srgbClr val="FF0000"/>
                 </a:solidFill>
               </a:rPr>
-              <a:t>more than 68% of riders are women</a:t>
-            </a:r>
-            <a:r>
-              <a:rPr lang="en-US" dirty="0" smtClean="0"/>
-              <a:t>.</a:t>
-            </a:r>
-          </a:p>
-          <a:p>
-            <a:pPr marL="0" indent="0">
-              <a:buNone/>
-            </a:pPr>
-            <a:endParaRPr lang="en-US" dirty="0" smtClean="0"/>
+              <a:t>more</a:t>
+            </a:r>
+            <a:r>
+              <a:rPr lang="en-US" dirty="0" smtClean="0"/>
+              <a:t> African American / Hispanic population are likely to have a </a:t>
+            </a:r>
+            <a:r>
+              <a:rPr lang="en-US" dirty="0" smtClean="0">
+                <a:solidFill>
+                  <a:srgbClr val="FF0000"/>
+                </a:solidFill>
+              </a:rPr>
+              <a:t>higher</a:t>
+            </a:r>
+            <a:r>
+              <a:rPr lang="en-US" dirty="0" smtClean="0"/>
+              <a:t> floor value.</a:t>
+            </a:r>
           </a:p>
           <a:p>
             <a:pPr marL="0" indent="0">
@@ -3203,12 +3205,65 @@
             </a:pPr>
             <a:endParaRPr lang="en-US" dirty="0"/>
           </a:p>
-        </p:txBody>
-      </p:sp>
+          <a:p>
+            <a:pPr marL="0" indent="0">
+              <a:buNone/>
+            </a:pPr>
+            <a:r>
+              <a:rPr lang="en-US" dirty="0" smtClean="0"/>
+              <a:t>From the survey:</a:t>
+            </a:r>
+          </a:p>
+          <a:p>
+            <a:endParaRPr lang="en-US" dirty="0"/>
+          </a:p>
+        </p:txBody>
+      </p:sp>
+      <p:pic>
+        <p:nvPicPr>
+          <p:cNvPr id="1026" name="Picture 2" descr="https://miro.medium.com/max/4080/1*sdo8aCUUs4vlDpzHe-I8iA.png"/>
+          <p:cNvPicPr>
+            <a:picLocks noChangeAspect="1" noChangeArrowheads="1"/>
+          </p:cNvPicPr>
+          <p:nvPr/>
+        </p:nvPicPr>
+        <p:blipFill>
+          <a:blip r:embed="rId2" cstate="print">
+            <a:extLst>
+              <a:ext uri="{28A0092B-C50C-407E-A947-70E740481C1C}">
+                <a14:useLocalDpi xmlns:a14="http://schemas.microsoft.com/office/drawing/2010/main" val="0"/>
+              </a:ext>
+            </a:extLst>
+          </a:blip>
+          <a:srcRect/>
+          <a:stretch>
+            <a:fillRect/>
+          </a:stretch>
+        </p:blipFill>
+        <p:spPr bwMode="auto">
+          <a:xfrm>
+            <a:off x="5451849" y="772737"/>
+            <a:ext cx="6996301" cy="5932863"/>
+          </a:xfrm>
+          <a:prstGeom prst="rect">
+            <a:avLst/>
+          </a:prstGeom>
+          <a:noFill/>
+          <a:extLst>
+            <a:ext uri="{909E8E84-426E-40DD-AFC4-6F175D3DCCD1}">
+              <a14:hiddenFill xmlns:a14="http://schemas.microsoft.com/office/drawing/2010/main">
+                <a:solidFill>
+                  <a:srgbClr val="FFFFFF"/>
+                </a:solidFill>
+              </a14:hiddenFill>
+            </a:ext>
+          </a:extLst>
+        </p:spPr>
+      </p:pic>
     </p:spTree>
     <p:extLst>
       <p:ext uri="{BB962C8B-B14F-4D97-AF65-F5344CB8AC3E}">
-        <p14:creationId xmlns:p14="http://schemas.microsoft.com/office/powerpoint/2010/main" val="2158161282"/>
+        <p14:creationId xmlns:p14="http://schemas.microsoft.com/office/powerpoint/2010/main" val="2612894327"/>
       </p:ext>
     </p:extLst>
   </p:cSld>
@@ -3252,19 +3307,7 @@
           <a:p>
             <a:r>
               <a:rPr lang="en-US" dirty="0" smtClean="0"/>
-              <a:t>Your </a:t>
-            </a:r>
-            <a:r>
-              <a:rPr lang="en-US" altLang="zh-CN" dirty="0" smtClean="0"/>
-              <a:t>age</a:t>
-            </a:r>
-            <a:r>
-              <a:rPr lang="en-US" dirty="0" smtClean="0"/>
-              <a:t> </a:t>
-            </a:r>
-            <a:r>
-              <a:rPr lang="en-US" dirty="0" smtClean="0"/>
-              <a:t>matters</a:t>
+              <a:t>Your sex/gender matters</a:t>
             </a:r>
             <a:endParaRPr lang="en-US" dirty="0"/>
           </a:p>
@@ -3290,23 +3333,7 @@
             </a:pPr>
             <a:r>
               <a:rPr lang="en-US" dirty="0" smtClean="0"/>
-              <a:t>From our research: If a city has </a:t>
-            </a:r>
-            <a:r>
-              <a:rPr lang="en-US" dirty="0" smtClean="0"/>
-              <a:t>lager ratio of population over 45 years old, </a:t>
-            </a:r>
-            <a:r>
-              <a:rPr lang="en-US" dirty="0" smtClean="0"/>
-              <a:t>the floor value </a:t>
-            </a:r>
-            <a:r>
-              <a:rPr lang="en-US" dirty="0" smtClean="0"/>
-              <a:t>is very </a:t>
-            </a:r>
-            <a:r>
-              <a:rPr lang="en-US" dirty="0" smtClean="0"/>
-              <a:t>likely to have a higher floor value.</a:t>
+              <a:t>From our research: If a city has larger female ratio, the floor value is  very likely to have a higher floor value.</a:t>
             </a:r>
           </a:p>
           <a:p>
@@ -3321,12 +3348,40 @@
             </a:pPr>
             <a:r>
               <a:rPr lang="en-US" dirty="0" smtClean="0"/>
-              <a:t>From the </a:t>
-            </a:r>
-            <a:r>
-              <a:rPr lang="en-US" dirty="0" smtClean="0"/>
-              <a:t>survey: Young people tends to stay home. Middle age passenger’s ratio surged high after the outbreak of the pandemic.</a:t>
-            </a:r>
+              <a:t>From the survey: transit female/male ratio change from 49%/49% to 56%/40%</a:t>
+            </a:r>
+          </a:p>
+          <a:p>
+            <a:pPr marL="0" indent="0">
+              <a:buNone/>
+            </a:pPr>
+            <a:r>
+              <a:rPr lang="en-US" dirty="0" smtClean="0"/>
+              <a:t>In cities like Philadelphia, </a:t>
+            </a:r>
+            <a:r>
+              <a:rPr lang="en-US" dirty="0" smtClean="0">
+                <a:solidFill>
+                  <a:srgbClr val="FF0000"/>
+                </a:solidFill>
+              </a:rPr>
+              <a:t>more than 68% of riders are women</a:t>
+            </a:r>
+            <a:r>
+              <a:rPr lang="en-US" dirty="0" smtClean="0"/>
+              <a:t>.</a:t>
+            </a:r>
+          </a:p>
+          <a:p>
+            <a:pPr marL="0" indent="0">
+              <a:buNone/>
+            </a:pPr>
+            <a:endParaRPr lang="en-US" dirty="0" smtClean="0"/>
+          </a:p>
+          <a:p>
+            <a:pPr marL="0" indent="0">
+              <a:buNone/>
+            </a:pPr>
             <a:endParaRPr lang="en-US" dirty="0"/>
           </a:p>
         </p:txBody>
@@ -3334,7 +3389,7 @@
     </p:spTree>
     <p:extLst>
       <p:ext uri="{BB962C8B-B14F-4D97-AF65-F5344CB8AC3E}">
-        <p14:creationId xmlns:p14="http://schemas.microsoft.com/office/powerpoint/2010/main" val="2751482521"/>
+        <p14:creationId xmlns:p14="http://schemas.microsoft.com/office/powerpoint/2010/main" val="2158161282"/>
       </p:ext>
     </p:extLst>
   </p:cSld>
@@ -3378,7 +3433,19 @@
           <a:p>
             <a:r>
               <a:rPr lang="en-US" dirty="0" smtClean="0"/>
-              <a:t>Your preference does not matter</a:t>
+              <a:t>Your </a:t>
+            </a:r>
+            <a:r>
+              <a:rPr lang="en-US" altLang="zh-CN" dirty="0" smtClean="0"/>
+              <a:t>age</a:t>
+            </a:r>
+            <a:r>
+              <a:rPr lang="en-US" dirty="0" smtClean="0"/>
+              <a:t> </a:t>
+            </a:r>
+            <a:r>
+              <a:rPr lang="en-US" dirty="0" smtClean="0"/>
+              <a:t>matters</a:t>
             </a:r>
             <a:endParaRPr lang="en-US" dirty="0"/>
           </a:p>
@@ -3399,58 +3466,56 @@
           <a:bodyPr/>
           <a:lstStyle/>
           <a:p>
-            <a:r>
-              <a:rPr lang="en-US" dirty="0" smtClean="0"/>
-              <a:t>Social media and Google search statistics have no correlation with the floor value.</a:t>
-            </a:r>
-          </a:p>
-          <a:p>
-            <a:r>
-              <a:rPr lang="en-US" dirty="0" smtClean="0"/>
-              <a:t>But Google search statistics are significantly correlated with the speed of the transit demand decrease.</a:t>
-            </a:r>
-          </a:p>
-          <a:p>
+            <a:pPr marL="0" indent="0">
+              <a:buNone/>
+            </a:pPr>
+            <a:r>
+              <a:rPr lang="en-US" dirty="0" smtClean="0"/>
+              <a:t>From our research: If a city has </a:t>
+            </a:r>
+            <a:r>
+              <a:rPr lang="en-US" dirty="0" smtClean="0"/>
+              <a:t>lager ratio of population over 45 years old, </a:t>
+            </a:r>
+            <a:r>
+              <a:rPr lang="en-US" dirty="0" smtClean="0"/>
+              <a:t>the floor value </a:t>
+            </a:r>
+            <a:r>
+              <a:rPr lang="en-US" dirty="0" smtClean="0"/>
+              <a:t>is very </a:t>
+            </a:r>
+            <a:r>
+              <a:rPr lang="en-US" dirty="0" smtClean="0"/>
+              <a:t>likely to have a higher floor value.</a:t>
+            </a:r>
+          </a:p>
+          <a:p>
+            <a:pPr marL="0" indent="0">
+              <a:buNone/>
+            </a:pPr>
             <a:endParaRPr lang="en-US" dirty="0"/>
           </a:p>
           <a:p>
-            <a:r>
-              <a:rPr lang="en-US" dirty="0" smtClean="0"/>
-              <a:t>The myth of “awareness”:</a:t>
-            </a:r>
-          </a:p>
-          <a:p>
-            <a:pPr lvl="1"/>
-            <a:r>
-              <a:rPr lang="en-US" dirty="0" smtClean="0"/>
-              <a:t>Essential workers know, yet they still have to work;</a:t>
-            </a:r>
-          </a:p>
-          <a:p>
-            <a:pPr lvl="1"/>
-            <a:r>
-              <a:rPr lang="en-US" dirty="0" smtClean="0"/>
-              <a:t>Awareness is only relevant to those who </a:t>
-            </a:r>
-            <a:r>
-              <a:rPr lang="en-US" b="1" i="1" dirty="0" smtClean="0"/>
-              <a:t>can </a:t>
-            </a:r>
-            <a:r>
-              <a:rPr lang="en-US" dirty="0" smtClean="0"/>
-              <a:t>work from home.</a:t>
-            </a:r>
-          </a:p>
-          <a:p>
-            <a:pPr lvl="1"/>
-            <a:endParaRPr lang="en-US" dirty="0" smtClean="0"/>
+            <a:pPr marL="0" indent="0">
+              <a:buNone/>
+            </a:pPr>
+            <a:r>
+              <a:rPr lang="en-US" dirty="0" smtClean="0"/>
+              <a:t>From the </a:t>
+            </a:r>
+            <a:r>
+              <a:rPr lang="en-US" dirty="0" smtClean="0"/>
+              <a:t>survey: Young people tends to stay home. Middle age passenger’s ratio surged high after the outbreak of the pandemic.</a:t>
+            </a:r>
+            <a:endParaRPr lang="en-US" dirty="0"/>
           </a:p>
         </p:txBody>
       </p:sp>
     </p:spTree>
     <p:extLst>
       <p:ext uri="{BB962C8B-B14F-4D97-AF65-F5344CB8AC3E}">
-        <p14:creationId xmlns:p14="http://schemas.microsoft.com/office/powerpoint/2010/main" val="3152127156"/>
+        <p14:creationId xmlns:p14="http://schemas.microsoft.com/office/powerpoint/2010/main" val="2751482521"/>
       </p:ext>
     </p:extLst>
   </p:cSld>
@@ -3494,6 +3559,122 @@
           <a:p>
             <a:r>
               <a:rPr lang="en-US" dirty="0" smtClean="0"/>
+              <a:t>Your preference does not matter</a:t>
+            </a:r>
+            <a:endParaRPr lang="en-US" dirty="0"/>
+          </a:p>
+        </p:txBody>
+      </p:sp>
+      <p:sp>
+        <p:nvSpPr>
+          <p:cNvPr id="3" name="Content Placeholder 2"/>
+          <p:cNvSpPr>
+            <a:spLocks noGrp="1"/>
+          </p:cNvSpPr>
+          <p:nvPr>
+            <p:ph idx="1"/>
+          </p:nvPr>
+        </p:nvSpPr>
+        <p:spPr/>
+        <p:txBody>
+          <a:bodyPr/>
+          <a:lstStyle/>
+          <a:p>
+            <a:r>
+              <a:rPr lang="en-US" dirty="0" smtClean="0"/>
+              <a:t>Social media and Google search statistics have no correlation with the floor value.</a:t>
+            </a:r>
+          </a:p>
+          <a:p>
+            <a:r>
+              <a:rPr lang="en-US" dirty="0" smtClean="0"/>
+              <a:t>But Google search statistics are significantly correlated with the speed of the transit demand decrease.</a:t>
+            </a:r>
+          </a:p>
+          <a:p>
+            <a:endParaRPr lang="en-US" dirty="0"/>
+          </a:p>
+          <a:p>
+            <a:r>
+              <a:rPr lang="en-US" dirty="0" smtClean="0"/>
+              <a:t>The myth of “awareness”:</a:t>
+            </a:r>
+          </a:p>
+          <a:p>
+            <a:pPr lvl="1"/>
+            <a:r>
+              <a:rPr lang="en-US" dirty="0" smtClean="0"/>
+              <a:t>Essential workers know, yet they still have to work;</a:t>
+            </a:r>
+          </a:p>
+          <a:p>
+            <a:pPr lvl="1"/>
+            <a:r>
+              <a:rPr lang="en-US" dirty="0" smtClean="0"/>
+              <a:t>Awareness is only relevant to those who </a:t>
+            </a:r>
+            <a:r>
+              <a:rPr lang="en-US" b="1" i="1" dirty="0" smtClean="0"/>
+              <a:t>can </a:t>
+            </a:r>
+            <a:r>
+              <a:rPr lang="en-US" dirty="0" smtClean="0"/>
+              <a:t>work from home.</a:t>
+            </a:r>
+          </a:p>
+          <a:p>
+            <a:pPr lvl="1"/>
+            <a:endParaRPr lang="en-US" dirty="0" smtClean="0"/>
+          </a:p>
+        </p:txBody>
+      </p:sp>
+    </p:spTree>
+    <p:extLst>
+      <p:ext uri="{BB962C8B-B14F-4D97-AF65-F5344CB8AC3E}">
+        <p14:creationId xmlns:p14="http://schemas.microsoft.com/office/powerpoint/2010/main" val="3152127156"/>
+      </p:ext>
+    </p:extLst>
+  </p:cSld>
+  <p:clrMapOvr>
+    <a:masterClrMapping/>
+  </p:clrMapOvr>
+</p:sld>
+</file>
+
+<file path=ppt/slides/slide14.xml><?xml version="1.0" encoding="utf-8"?>
+<p:sld xmlns:a="http://schemas.openxmlformats.org/drawingml/2006/main" xmlns:r="http://schemas.openxmlformats.org/officeDocument/2006/relationships" xmlns:p="http://schemas.openxmlformats.org/presentationml/2006/main">
+  <p:cSld>
+    <p:spTree>
+      <p:nvGrpSpPr>
+        <p:cNvPr id="1" name=""/>
+        <p:cNvGrpSpPr/>
+        <p:nvPr/>
+      </p:nvGrpSpPr>
+      <p:grpSpPr>
+        <a:xfrm>
+          <a:off x="0" y="0"/>
+          <a:ext cx="0" cy="0"/>
+          <a:chOff x="0" y="0"/>
+          <a:chExt cx="0" cy="0"/>
+        </a:xfrm>
+      </p:grpSpPr>
+      <p:sp>
+        <p:nvSpPr>
+          <p:cNvPr id="2" name="Title 1"/>
+          <p:cNvSpPr>
+            <a:spLocks noGrp="1"/>
+          </p:cNvSpPr>
+          <p:nvPr>
+            <p:ph type="title"/>
+          </p:nvPr>
+        </p:nvSpPr>
+        <p:spPr/>
+        <p:txBody>
+          <a:bodyPr/>
+          <a:lstStyle/>
+          <a:p>
+            <a:r>
+              <a:rPr lang="en-US" dirty="0" smtClean="0"/>
               <a:t>A building on fire</a:t>
             </a:r>
             <a:endParaRPr lang="en-US" dirty="0"/>
@@ -3570,7 +3751,7 @@
 </p:sld>
 </file>
 
-<file path=ppt/slides/slide14.xml><?xml version="1.0" encoding="utf-8"?>
+<file path=ppt/slides/slide15.xml><?xml version="1.0" encoding="utf-8"?>
 <p:sld xmlns:a="http://schemas.openxmlformats.org/drawingml/2006/main" xmlns:r="http://schemas.openxmlformats.org/officeDocument/2006/relationships" xmlns:p="http://schemas.openxmlformats.org/presentationml/2006/main">
   <p:cSld>
     <p:spTree>
@@ -3724,78 +3905,6 @@
 </p:sld>
 </file>
 
-<file path=ppt/slides/slide15.xml><?xml version="1.0" encoding="utf-8"?>
-<p:sld xmlns:a="http://schemas.openxmlformats.org/drawingml/2006/main" xmlns:r="http://schemas.openxmlformats.org/officeDocument/2006/relationships" xmlns:p="http://schemas.openxmlformats.org/presentationml/2006/main">
-  <p:cSld>
-    <p:spTree>
-      <p:nvGrpSpPr>
-        <p:cNvPr id="1" name=""/>
-        <p:cNvGrpSpPr/>
-        <p:nvPr/>
-      </p:nvGrpSpPr>
-      <p:grpSpPr>
-        <a:xfrm>
-          <a:off x="0" y="0"/>
-          <a:ext cx="0" cy="0"/>
-          <a:chOff x="0" y="0"/>
-          <a:chExt cx="0" cy="0"/>
-        </a:xfrm>
-      </p:grpSpPr>
-      <p:sp>
-        <p:nvSpPr>
-          <p:cNvPr id="2" name="Title 1"/>
-          <p:cNvSpPr>
-            <a:spLocks noGrp="1"/>
-          </p:cNvSpPr>
-          <p:nvPr>
-            <p:ph type="title"/>
-          </p:nvPr>
-        </p:nvSpPr>
-        <p:spPr/>
-        <p:txBody>
-          <a:bodyPr/>
-          <a:lstStyle/>
-          <a:p>
-            <a:r>
-              <a:rPr lang="en-US" dirty="0" smtClean="0"/>
-              <a:t>Peak analysis</a:t>
-            </a:r>
-            <a:endParaRPr lang="en-US" dirty="0"/>
-          </a:p>
-        </p:txBody>
-      </p:sp>
-      <p:sp>
-        <p:nvSpPr>
-          <p:cNvPr id="3" name="Text Placeholder 2"/>
-          <p:cNvSpPr>
-            <a:spLocks noGrp="1"/>
-          </p:cNvSpPr>
-          <p:nvPr>
-            <p:ph type="body" idx="1"/>
-          </p:nvPr>
-        </p:nvSpPr>
-        <p:spPr/>
-        <p:txBody>
-          <a:bodyPr/>
-          <a:lstStyle/>
-          <a:p>
-            <a:endParaRPr lang="en-US"/>
-          </a:p>
-        </p:txBody>
-      </p:sp>
-    </p:spTree>
-    <p:extLst>
-      <p:ext uri="{BB962C8B-B14F-4D97-AF65-F5344CB8AC3E}">
-        <p14:creationId xmlns:p14="http://schemas.microsoft.com/office/powerpoint/2010/main" val="1519836967"/>
-      </p:ext>
-    </p:extLst>
-  </p:cSld>
-  <p:clrMapOvr>
-    <a:masterClrMapping/>
-  </p:clrMapOvr>
-</p:sld>
-</file>
-
 <file path=ppt/slides/slide16.xml><?xml version="1.0" encoding="utf-8"?>
 <p:sld xmlns:a="http://schemas.openxmlformats.org/drawingml/2006/main" xmlns:r="http://schemas.openxmlformats.org/officeDocument/2006/relationships" xmlns:p="http://schemas.openxmlformats.org/presentationml/2006/main">
   <p:cSld>
@@ -3830,7 +3939,7 @@
           <a:p>
             <a:r>
               <a:rPr lang="en-US" dirty="0" smtClean="0"/>
-              <a:t>Weekdays and weekends are no more</a:t>
+              <a:t>Peak analysis</a:t>
             </a:r>
             <a:endParaRPr lang="en-US" dirty="0"/>
           </a:p>
@@ -3838,53 +3947,27 @@
       </p:sp>
       <p:sp>
         <p:nvSpPr>
-          <p:cNvPr id="3" name="Content Placeholder 2"/>
-          <p:cNvSpPr>
-            <a:spLocks noGrp="1"/>
-          </p:cNvSpPr>
-          <p:nvPr>
-            <p:ph idx="1"/>
-          </p:nvPr>
-        </p:nvSpPr>
-        <p:spPr/>
-        <p:txBody>
-          <a:bodyPr>
-            <a:normAutofit/>
-          </a:bodyPr>
-          <a:lstStyle/>
-          <a:p>
-            <a:pPr lvl="0"/>
-            <a:r>
-              <a:rPr lang="en-US" dirty="0"/>
-              <a:t>The pandemic made difference of the dynamic within a day between weekdays and weekends less obvious.</a:t>
-            </a:r>
-            <a:endParaRPr lang="en-US" sz="2400" dirty="0"/>
-          </a:p>
-          <a:p>
-            <a:pPr lvl="1"/>
-            <a:r>
-              <a:rPr lang="en-US" dirty="0"/>
-              <a:t>Weekends are more like weekdays. In many systems such the MTA system in New York City, the weekends curves show a two-peak patterns when it only had one peak. The cessation of the unessential businesses made the weekends trips become commuting-dominating.</a:t>
-            </a:r>
-            <a:endParaRPr lang="en-US" sz="2000" dirty="0"/>
-          </a:p>
-          <a:p>
-            <a:pPr lvl="1"/>
-            <a:r>
-              <a:rPr lang="en-US" dirty="0"/>
-              <a:t>Weekdays are more like weekends. Disproportional decrease of the morning and afternoon commuting activities in the weekdays made the difference between rush hours and normal hours less obvious.</a:t>
-            </a:r>
-            <a:endParaRPr lang="en-US" sz="2000" dirty="0"/>
-          </a:p>
-          <a:p>
-            <a:endParaRPr lang="en-US" dirty="0"/>
+          <p:cNvPr id="3" name="Text Placeholder 2"/>
+          <p:cNvSpPr>
+            <a:spLocks noGrp="1"/>
+          </p:cNvSpPr>
+          <p:nvPr>
+            <p:ph type="body" idx="1"/>
+          </p:nvPr>
+        </p:nvSpPr>
+        <p:spPr/>
+        <p:txBody>
+          <a:bodyPr/>
+          <a:lstStyle/>
+          <a:p>
+            <a:endParaRPr lang="en-US"/>
           </a:p>
         </p:txBody>
       </p:sp>
     </p:spTree>
     <p:extLst>
       <p:ext uri="{BB962C8B-B14F-4D97-AF65-F5344CB8AC3E}">
-        <p14:creationId xmlns:p14="http://schemas.microsoft.com/office/powerpoint/2010/main" val="3300542105"/>
+        <p14:creationId xmlns:p14="http://schemas.microsoft.com/office/powerpoint/2010/main" val="1519836967"/>
       </p:ext>
     </p:extLst>
   </p:cSld>
@@ -3928,6 +4011,104 @@
           <a:p>
             <a:r>
               <a:rPr lang="en-US" dirty="0" smtClean="0"/>
+              <a:t>Weekdays and weekends are no more</a:t>
+            </a:r>
+            <a:endParaRPr lang="en-US" dirty="0"/>
+          </a:p>
+        </p:txBody>
+      </p:sp>
+      <p:sp>
+        <p:nvSpPr>
+          <p:cNvPr id="3" name="Content Placeholder 2"/>
+          <p:cNvSpPr>
+            <a:spLocks noGrp="1"/>
+          </p:cNvSpPr>
+          <p:nvPr>
+            <p:ph idx="1"/>
+          </p:nvPr>
+        </p:nvSpPr>
+        <p:spPr/>
+        <p:txBody>
+          <a:bodyPr>
+            <a:normAutofit/>
+          </a:bodyPr>
+          <a:lstStyle/>
+          <a:p>
+            <a:pPr lvl="0"/>
+            <a:r>
+              <a:rPr lang="en-US" dirty="0"/>
+              <a:t>The pandemic made difference of the dynamic within a day between weekdays and weekends less obvious.</a:t>
+            </a:r>
+            <a:endParaRPr lang="en-US" sz="2400" dirty="0"/>
+          </a:p>
+          <a:p>
+            <a:pPr lvl="1"/>
+            <a:r>
+              <a:rPr lang="en-US" dirty="0"/>
+              <a:t>Weekends are more like weekdays. In many systems such the MTA system in New York City, the weekends curves show a two-peak patterns when it only had one peak. The cessation of the unessential businesses made the weekends trips become commuting-dominating.</a:t>
+            </a:r>
+            <a:endParaRPr lang="en-US" sz="2000" dirty="0"/>
+          </a:p>
+          <a:p>
+            <a:pPr lvl="1"/>
+            <a:r>
+              <a:rPr lang="en-US" dirty="0"/>
+              <a:t>Weekdays are more like weekends. Disproportional decrease of the morning and afternoon commuting activities in the weekdays made the difference between rush hours and normal hours less obvious.</a:t>
+            </a:r>
+            <a:endParaRPr lang="en-US" sz="2000" dirty="0"/>
+          </a:p>
+          <a:p>
+            <a:endParaRPr lang="en-US" dirty="0"/>
+          </a:p>
+        </p:txBody>
+      </p:sp>
+    </p:spTree>
+    <p:extLst>
+      <p:ext uri="{BB962C8B-B14F-4D97-AF65-F5344CB8AC3E}">
+        <p14:creationId xmlns:p14="http://schemas.microsoft.com/office/powerpoint/2010/main" val="3300542105"/>
+      </p:ext>
+    </p:extLst>
+  </p:cSld>
+  <p:clrMapOvr>
+    <a:masterClrMapping/>
+  </p:clrMapOvr>
+</p:sld>
+</file>
+
+<file path=ppt/slides/slide18.xml><?xml version="1.0" encoding="utf-8"?>
+<p:sld xmlns:a="http://schemas.openxmlformats.org/drawingml/2006/main" xmlns:r="http://schemas.openxmlformats.org/officeDocument/2006/relationships" xmlns:p="http://schemas.openxmlformats.org/presentationml/2006/main">
+  <p:cSld>
+    <p:spTree>
+      <p:nvGrpSpPr>
+        <p:cNvPr id="1" name=""/>
+        <p:cNvGrpSpPr/>
+        <p:nvPr/>
+      </p:nvGrpSpPr>
+      <p:grpSpPr>
+        <a:xfrm>
+          <a:off x="0" y="0"/>
+          <a:ext cx="0" cy="0"/>
+          <a:chOff x="0" y="0"/>
+          <a:chExt cx="0" cy="0"/>
+        </a:xfrm>
+      </p:grpSpPr>
+      <p:sp>
+        <p:nvSpPr>
+          <p:cNvPr id="2" name="Title 1"/>
+          <p:cNvSpPr>
+            <a:spLocks noGrp="1"/>
+          </p:cNvSpPr>
+          <p:nvPr>
+            <p:ph type="title"/>
+          </p:nvPr>
+        </p:nvSpPr>
+        <p:spPr/>
+        <p:txBody>
+          <a:bodyPr/>
+          <a:lstStyle/>
+          <a:p>
+            <a:r>
+              <a:rPr lang="en-US" dirty="0" smtClean="0"/>
               <a:t>Peak shifting</a:t>
             </a:r>
             <a:endParaRPr lang="en-US" dirty="0"/>
@@ -3998,7 +4179,7 @@
 </p:sld>
 </file>
 
-<file path=ppt/slides/slide18.xml><?xml version="1.0" encoding="utf-8"?>
+<file path=ppt/slides/slide19.xml><?xml version="1.0" encoding="utf-8"?>
 <p:sld xmlns:a="http://schemas.openxmlformats.org/drawingml/2006/main" xmlns:r="http://schemas.openxmlformats.org/officeDocument/2006/relationships" xmlns:p="http://schemas.openxmlformats.org/presentationml/2006/main">
   <p:cSld>
     <p:spTree>
@@ -4312,85 +4493,6 @@
 </p:sld>
 </file>
 
-<file path=ppt/slides/slide19.xml><?xml version="1.0" encoding="utf-8"?>
-<p:sld xmlns:a="http://schemas.openxmlformats.org/drawingml/2006/main" xmlns:r="http://schemas.openxmlformats.org/officeDocument/2006/relationships" xmlns:p="http://schemas.openxmlformats.org/presentationml/2006/main">
-  <p:cSld>
-    <p:spTree>
-      <p:nvGrpSpPr>
-        <p:cNvPr id="1" name=""/>
-        <p:cNvGrpSpPr/>
-        <p:nvPr/>
-      </p:nvGrpSpPr>
-      <p:grpSpPr>
-        <a:xfrm>
-          <a:off x="0" y="0"/>
-          <a:ext cx="0" cy="0"/>
-          <a:chOff x="0" y="0"/>
-          <a:chExt cx="0" cy="0"/>
-        </a:xfrm>
-      </p:grpSpPr>
-      <p:sp>
-        <p:nvSpPr>
-          <p:cNvPr id="2" name="Title 1"/>
-          <p:cNvSpPr>
-            <a:spLocks noGrp="1"/>
-          </p:cNvSpPr>
-          <p:nvPr>
-            <p:ph type="title"/>
-          </p:nvPr>
-        </p:nvSpPr>
-        <p:spPr/>
-        <p:txBody>
-          <a:bodyPr/>
-          <a:lstStyle/>
-          <a:p>
-            <a:r>
-              <a:rPr lang="en-US" dirty="0" smtClean="0"/>
-              <a:t>Data Agreement</a:t>
-            </a:r>
-            <a:endParaRPr lang="en-US" dirty="0"/>
-          </a:p>
-        </p:txBody>
-      </p:sp>
-      <p:sp>
-        <p:nvSpPr>
-          <p:cNvPr id="3" name="Text Placeholder 2"/>
-          <p:cNvSpPr>
-            <a:spLocks noGrp="1"/>
-          </p:cNvSpPr>
-          <p:nvPr>
-            <p:ph type="body" idx="1"/>
-          </p:nvPr>
-        </p:nvSpPr>
-        <p:spPr/>
-        <p:txBody>
-          <a:bodyPr/>
-          <a:lstStyle/>
-          <a:p>
-            <a:endParaRPr lang="en-US"/>
-          </a:p>
-        </p:txBody>
-      </p:sp>
-    </p:spTree>
-    <p:extLst>
-      <p:ext uri="{BB962C8B-B14F-4D97-AF65-F5344CB8AC3E}">
-        <p14:creationId xmlns:p14="http://schemas.microsoft.com/office/powerpoint/2010/main" val="3901777362"/>
-      </p:ext>
-    </p:extLst>
-  </p:cSld>
-  <p:clrMapOvr>
-    <a:masterClrMapping/>
-  </p:clrMapOvr>
-  <p:timing>
-    <p:tnLst>
-      <p:par>
-        <p:cTn id="1" dur="indefinite" restart="never" nodeType="tmRoot"/>
-      </p:par>
-    </p:tnLst>
-  </p:timing>
-</p:sld>
-</file>
-
 <file path=ppt/slides/slide2.xml><?xml version="1.0" encoding="utf-8"?>
 <p:sld xmlns:a="http://schemas.openxmlformats.org/drawingml/2006/main" xmlns:r="http://schemas.openxmlformats.org/officeDocument/2006/relationships" xmlns:p="http://schemas.openxmlformats.org/presentationml/2006/main">
   <p:cSld>
@@ -4425,11 +4527,7 @@
           <a:p>
             <a:r>
               <a:rPr lang="en-US" dirty="0" smtClean="0"/>
-              <a:t>Decline </a:t>
-            </a:r>
-            <a:r>
-              <a:rPr lang="en-US" dirty="0" smtClean="0"/>
-              <a:t>model</a:t>
+              <a:t>Previously on transit demand</a:t>
             </a:r>
             <a:endParaRPr lang="en-US" dirty="0"/>
           </a:p>
@@ -4437,173 +4535,27 @@
       </p:sp>
       <p:sp>
         <p:nvSpPr>
-          <p:cNvPr id="7" name="Left-Right Arrow 6"/>
-          <p:cNvSpPr/>
-          <p:nvPr/>
-        </p:nvSpPr>
-        <p:spPr>
-          <a:xfrm rot="5400000">
-            <a:off x="4062046" y="3930955"/>
-            <a:ext cx="2620108" cy="211016"/>
-          </a:xfrm>
-          <a:prstGeom prst="leftRightArrow">
-            <a:avLst/>
-          </a:prstGeom>
-        </p:spPr>
-        <p:style>
-          <a:lnRef idx="2">
-            <a:schemeClr val="accent1">
-              <a:shade val="50000"/>
-            </a:schemeClr>
-          </a:lnRef>
-          <a:fillRef idx="1">
-            <a:schemeClr val="accent1"/>
-          </a:fillRef>
-          <a:effectRef idx="0">
-            <a:schemeClr val="accent1"/>
-          </a:effectRef>
-          <a:fontRef idx="minor">
-            <a:schemeClr val="lt1"/>
-          </a:fontRef>
-        </p:style>
-        <p:txBody>
-          <a:bodyPr rtlCol="0" anchor="ctr"/>
-          <a:lstStyle/>
-          <a:p>
-            <a:pPr algn="ctr"/>
+          <p:cNvPr id="3" name="Text Placeholder 2"/>
+          <p:cNvSpPr>
+            <a:spLocks noGrp="1"/>
+          </p:cNvSpPr>
+          <p:nvPr>
+            <p:ph type="body" idx="1"/>
+          </p:nvPr>
+        </p:nvSpPr>
+        <p:spPr/>
+        <p:txBody>
+          <a:bodyPr/>
+          <a:lstStyle/>
+          <a:p>
             <a:endParaRPr lang="en-US"/>
-          </a:p>
-        </p:txBody>
-      </p:sp>
-      <p:sp>
-        <p:nvSpPr>
-          <p:cNvPr id="8" name="TextBox 7"/>
-          <p:cNvSpPr txBox="1"/>
-          <p:nvPr/>
-        </p:nvSpPr>
-        <p:spPr>
-          <a:xfrm>
-            <a:off x="5081954" y="3851797"/>
-            <a:ext cx="931984" cy="369332"/>
-          </a:xfrm>
-          <a:prstGeom prst="rect">
-            <a:avLst/>
-          </a:prstGeom>
-          <a:noFill/>
-        </p:spPr>
-        <p:txBody>
-          <a:bodyPr wrap="square" rtlCol="0">
-            <a:spAutoFit/>
-          </a:bodyPr>
-          <a:lstStyle/>
-          <a:p>
-            <a:r>
-              <a:rPr lang="en-US" dirty="0" smtClean="0"/>
-              <a:t>F</a:t>
-            </a:r>
-            <a:endParaRPr lang="en-US" dirty="0"/>
-          </a:p>
-        </p:txBody>
-      </p:sp>
-      <p:pic>
-        <p:nvPicPr>
-          <p:cNvPr id="6" name="Content Placeholder 5"/>
-          <p:cNvPicPr>
-            <a:picLocks noGrp="1" noChangeAspect="1"/>
-          </p:cNvPicPr>
-          <p:nvPr>
-            <p:ph idx="1"/>
-          </p:nvPr>
-        </p:nvPicPr>
-        <p:blipFill>
-          <a:blip r:embed="rId2">
-            <a:extLst>
-              <a:ext uri="{28A0092B-C50C-407E-A947-70E740481C1C}">
-                <a14:useLocalDpi xmlns:a14="http://schemas.microsoft.com/office/drawing/2010/main" val="0"/>
-              </a:ext>
-            </a:extLst>
-          </a:blip>
-          <a:stretch>
-            <a:fillRect/>
-          </a:stretch>
-        </p:blipFill>
-        <p:spPr>
-          <a:xfrm>
-            <a:off x="2647054" y="1860793"/>
-            <a:ext cx="5801784" cy="4351338"/>
-          </a:xfrm>
-        </p:spPr>
-      </p:pic>
-      <p:sp>
-        <p:nvSpPr>
-          <p:cNvPr id="3" name="Right Brace 2"/>
-          <p:cNvSpPr/>
-          <p:nvPr/>
-        </p:nvSpPr>
-        <p:spPr>
-          <a:xfrm flipH="1">
-            <a:off x="4792323" y="2865389"/>
-            <a:ext cx="332528" cy="2357964"/>
-          </a:xfrm>
-          <a:prstGeom prst="rightBrace">
-            <a:avLst/>
-          </a:prstGeom>
-        </p:spPr>
-        <p:style>
-          <a:lnRef idx="1">
-            <a:schemeClr val="accent1"/>
-          </a:lnRef>
-          <a:fillRef idx="0">
-            <a:schemeClr val="accent1"/>
-          </a:fillRef>
-          <a:effectRef idx="0">
-            <a:schemeClr val="accent1"/>
-          </a:effectRef>
-          <a:fontRef idx="minor">
-            <a:schemeClr val="tx1"/>
-          </a:fontRef>
-        </p:style>
-        <p:txBody>
-          <a:bodyPr rtlCol="0" anchor="ctr"/>
-          <a:lstStyle/>
-          <a:p>
-            <a:pPr algn="ctr"/>
-            <a:endParaRPr lang="en-US"/>
-          </a:p>
-        </p:txBody>
-      </p:sp>
-      <p:sp>
-        <p:nvSpPr>
-          <p:cNvPr id="4" name="Rectangle 3"/>
-          <p:cNvSpPr/>
-          <p:nvPr/>
-        </p:nvSpPr>
-        <p:spPr>
-          <a:xfrm>
-            <a:off x="3499837" y="3851655"/>
-            <a:ext cx="1221616" cy="369332"/>
-          </a:xfrm>
-          <a:prstGeom prst="rect">
-            <a:avLst/>
-          </a:prstGeom>
-        </p:spPr>
-        <p:txBody>
-          <a:bodyPr wrap="none">
-            <a:spAutoFit/>
-          </a:bodyPr>
-          <a:lstStyle/>
-          <a:p>
-            <a:r>
-              <a:rPr lang="en-US" dirty="0"/>
-              <a:t>Floor value</a:t>
-            </a:r>
           </a:p>
         </p:txBody>
       </p:sp>
     </p:spTree>
     <p:extLst>
       <p:ext uri="{BB962C8B-B14F-4D97-AF65-F5344CB8AC3E}">
-        <p14:creationId xmlns:p14="http://schemas.microsoft.com/office/powerpoint/2010/main" val="4260412086"/>
+        <p14:creationId xmlns:p14="http://schemas.microsoft.com/office/powerpoint/2010/main" val="2734158110"/>
       </p:ext>
     </p:extLst>
   </p:cSld>
@@ -4647,6 +4599,85 @@
           <a:p>
             <a:r>
               <a:rPr lang="en-US" dirty="0" smtClean="0"/>
+              <a:t>Data Agreement</a:t>
+            </a:r>
+            <a:endParaRPr lang="en-US" dirty="0"/>
+          </a:p>
+        </p:txBody>
+      </p:sp>
+      <p:sp>
+        <p:nvSpPr>
+          <p:cNvPr id="3" name="Text Placeholder 2"/>
+          <p:cNvSpPr>
+            <a:spLocks noGrp="1"/>
+          </p:cNvSpPr>
+          <p:nvPr>
+            <p:ph type="body" idx="1"/>
+          </p:nvPr>
+        </p:nvSpPr>
+        <p:spPr/>
+        <p:txBody>
+          <a:bodyPr/>
+          <a:lstStyle/>
+          <a:p>
+            <a:endParaRPr lang="en-US"/>
+          </a:p>
+        </p:txBody>
+      </p:sp>
+    </p:spTree>
+    <p:extLst>
+      <p:ext uri="{BB962C8B-B14F-4D97-AF65-F5344CB8AC3E}">
+        <p14:creationId xmlns:p14="http://schemas.microsoft.com/office/powerpoint/2010/main" val="3901777362"/>
+      </p:ext>
+    </p:extLst>
+  </p:cSld>
+  <p:clrMapOvr>
+    <a:masterClrMapping/>
+  </p:clrMapOvr>
+  <p:timing>
+    <p:tnLst>
+      <p:par>
+        <p:cTn id="1" dur="indefinite" restart="never" nodeType="tmRoot"/>
+      </p:par>
+    </p:tnLst>
+  </p:timing>
+</p:sld>
+</file>
+
+<file path=ppt/slides/slide21.xml><?xml version="1.0" encoding="utf-8"?>
+<p:sld xmlns:a="http://schemas.openxmlformats.org/drawingml/2006/main" xmlns:r="http://schemas.openxmlformats.org/officeDocument/2006/relationships" xmlns:p="http://schemas.openxmlformats.org/presentationml/2006/main">
+  <p:cSld>
+    <p:spTree>
+      <p:nvGrpSpPr>
+        <p:cNvPr id="1" name=""/>
+        <p:cNvGrpSpPr/>
+        <p:nvPr/>
+      </p:nvGrpSpPr>
+      <p:grpSpPr>
+        <a:xfrm>
+          <a:off x="0" y="0"/>
+          <a:ext cx="0" cy="0"/>
+          <a:chOff x="0" y="0"/>
+          <a:chExt cx="0" cy="0"/>
+        </a:xfrm>
+      </p:grpSpPr>
+      <p:sp>
+        <p:nvSpPr>
+          <p:cNvPr id="2" name="Title 1"/>
+          <p:cNvSpPr>
+            <a:spLocks noGrp="1"/>
+          </p:cNvSpPr>
+          <p:nvPr>
+            <p:ph type="title"/>
+          </p:nvPr>
+        </p:nvSpPr>
+        <p:spPr/>
+        <p:txBody>
+          <a:bodyPr/>
+          <a:lstStyle/>
+          <a:p>
+            <a:r>
+              <a:rPr lang="en-US" dirty="0" smtClean="0"/>
               <a:t>Priority of the data</a:t>
             </a:r>
             <a:endParaRPr lang="en-US" dirty="0"/>
@@ -4732,7 +4763,7 @@
 </p:sld>
 </file>
 
-<file path=ppt/slides/slide21.xml><?xml version="1.0" encoding="utf-8"?>
+<file path=ppt/slides/slide22.xml><?xml version="1.0" encoding="utf-8"?>
 <p:sld xmlns:a="http://schemas.openxmlformats.org/drawingml/2006/main" xmlns:r="http://schemas.openxmlformats.org/officeDocument/2006/relationships" xmlns:p="http://schemas.openxmlformats.org/presentationml/2006/main">
   <p:cSld>
     <p:spTree>
@@ -4888,103 +4919,185 @@
           <a:p>
             <a:r>
               <a:rPr lang="en-US" dirty="0" smtClean="0"/>
+              <a:t>Decline </a:t>
+            </a:r>
+            <a:r>
+              <a:rPr lang="en-US" dirty="0" smtClean="0"/>
+              <a:t>model</a:t>
+            </a:r>
+            <a:endParaRPr lang="en-US" dirty="0"/>
+          </a:p>
+        </p:txBody>
+      </p:sp>
+      <p:sp>
+        <p:nvSpPr>
+          <p:cNvPr id="7" name="Left-Right Arrow 6"/>
+          <p:cNvSpPr/>
+          <p:nvPr/>
+        </p:nvSpPr>
+        <p:spPr>
+          <a:xfrm rot="5400000">
+            <a:off x="4062046" y="3930955"/>
+            <a:ext cx="2620108" cy="211016"/>
+          </a:xfrm>
+          <a:prstGeom prst="leftRightArrow">
+            <a:avLst/>
+          </a:prstGeom>
+        </p:spPr>
+        <p:style>
+          <a:lnRef idx="2">
+            <a:schemeClr val="accent1">
+              <a:shade val="50000"/>
+            </a:schemeClr>
+          </a:lnRef>
+          <a:fillRef idx="1">
+            <a:schemeClr val="accent1"/>
+          </a:fillRef>
+          <a:effectRef idx="0">
+            <a:schemeClr val="accent1"/>
+          </a:effectRef>
+          <a:fontRef idx="minor">
+            <a:schemeClr val="lt1"/>
+          </a:fontRef>
+        </p:style>
+        <p:txBody>
+          <a:bodyPr rtlCol="0" anchor="ctr"/>
+          <a:lstStyle/>
+          <a:p>
+            <a:pPr algn="ctr"/>
+            <a:endParaRPr lang="en-US"/>
+          </a:p>
+        </p:txBody>
+      </p:sp>
+      <p:sp>
+        <p:nvSpPr>
+          <p:cNvPr id="8" name="TextBox 7"/>
+          <p:cNvSpPr txBox="1"/>
+          <p:nvPr/>
+        </p:nvSpPr>
+        <p:spPr>
+          <a:xfrm>
+            <a:off x="5081954" y="3851797"/>
+            <a:ext cx="931984" cy="369332"/>
+          </a:xfrm>
+          <a:prstGeom prst="rect">
+            <a:avLst/>
+          </a:prstGeom>
+          <a:noFill/>
+        </p:spPr>
+        <p:txBody>
+          <a:bodyPr wrap="square" rtlCol="0">
+            <a:spAutoFit/>
+          </a:bodyPr>
+          <a:lstStyle/>
+          <a:p>
+            <a:r>
+              <a:rPr lang="en-US" dirty="0" smtClean="0"/>
+              <a:t>F</a:t>
+            </a:r>
+            <a:endParaRPr lang="en-US" dirty="0"/>
+          </a:p>
+        </p:txBody>
+      </p:sp>
+      <p:pic>
+        <p:nvPicPr>
+          <p:cNvPr id="6" name="Content Placeholder 5"/>
+          <p:cNvPicPr>
+            <a:picLocks noGrp="1" noChangeAspect="1"/>
+          </p:cNvPicPr>
+          <p:nvPr>
+            <p:ph idx="1"/>
+          </p:nvPr>
+        </p:nvPicPr>
+        <p:blipFill>
+          <a:blip r:embed="rId2">
+            <a:extLst>
+              <a:ext uri="{28A0092B-C50C-407E-A947-70E740481C1C}">
+                <a14:useLocalDpi xmlns:a14="http://schemas.microsoft.com/office/drawing/2010/main" val="0"/>
+              </a:ext>
+            </a:extLst>
+          </a:blip>
+          <a:stretch>
+            <a:fillRect/>
+          </a:stretch>
+        </p:blipFill>
+        <p:spPr>
+          <a:xfrm>
+            <a:off x="2647054" y="1860793"/>
+            <a:ext cx="5801784" cy="4351338"/>
+          </a:xfrm>
+        </p:spPr>
+      </p:pic>
+      <p:sp>
+        <p:nvSpPr>
+          <p:cNvPr id="3" name="Right Brace 2"/>
+          <p:cNvSpPr/>
+          <p:nvPr/>
+        </p:nvSpPr>
+        <p:spPr>
+          <a:xfrm flipH="1">
+            <a:off x="4792323" y="2865389"/>
+            <a:ext cx="332528" cy="2357964"/>
+          </a:xfrm>
+          <a:prstGeom prst="rightBrace">
+            <a:avLst/>
+          </a:prstGeom>
+        </p:spPr>
+        <p:style>
+          <a:lnRef idx="1">
+            <a:schemeClr val="accent1"/>
+          </a:lnRef>
+          <a:fillRef idx="0">
+            <a:schemeClr val="accent1"/>
+          </a:fillRef>
+          <a:effectRef idx="0">
+            <a:schemeClr val="accent1"/>
+          </a:effectRef>
+          <a:fontRef idx="minor">
+            <a:schemeClr val="tx1"/>
+          </a:fontRef>
+        </p:style>
+        <p:txBody>
+          <a:bodyPr rtlCol="0" anchor="ctr"/>
+          <a:lstStyle/>
+          <a:p>
+            <a:pPr algn="ctr"/>
+            <a:endParaRPr lang="en-US"/>
+          </a:p>
+        </p:txBody>
+      </p:sp>
+      <p:sp>
+        <p:nvSpPr>
+          <p:cNvPr id="4" name="Rectangle 3"/>
+          <p:cNvSpPr/>
+          <p:nvPr/>
+        </p:nvSpPr>
+        <p:spPr>
+          <a:xfrm>
+            <a:off x="3499837" y="3851655"/>
+            <a:ext cx="1221616" cy="369332"/>
+          </a:xfrm>
+          <a:prstGeom prst="rect">
+            <a:avLst/>
+          </a:prstGeom>
+        </p:spPr>
+        <p:txBody>
+          <a:bodyPr wrap="none">
+            <a:spAutoFit/>
+          </a:bodyPr>
+          <a:lstStyle/>
+          <a:p>
+            <a:r>
+              <a:rPr lang="en-US" dirty="0"/>
               <a:t>Floor value</a:t>
             </a:r>
-            <a:endParaRPr lang="en-US" dirty="0"/>
-          </a:p>
-        </p:txBody>
-      </p:sp>
-      <p:sp>
-        <p:nvSpPr>
-          <p:cNvPr id="3" name="Content Placeholder 2"/>
-          <p:cNvSpPr>
-            <a:spLocks noGrp="1"/>
-          </p:cNvSpPr>
-          <p:nvPr>
-            <p:ph idx="1"/>
-          </p:nvPr>
-        </p:nvSpPr>
-        <p:spPr/>
-        <p:txBody>
-          <a:bodyPr>
-            <a:normAutofit lnSpcReduction="10000"/>
-          </a:bodyPr>
-          <a:lstStyle/>
-          <a:p>
-            <a:pPr marL="285750" indent="-285750"/>
-            <a:r>
-              <a:rPr lang="en-US" dirty="0"/>
-              <a:t>What is the base level of patronage during this crisis? </a:t>
-            </a:r>
-            <a:endParaRPr lang="en-US" dirty="0" smtClean="0"/>
-          </a:p>
-          <a:p>
-            <a:pPr marL="285750" indent="-285750"/>
-            <a:r>
-              <a:rPr lang="en-US" dirty="0" smtClean="0"/>
-              <a:t>Or: how many people stopped to use transit during this pandemic?</a:t>
-            </a:r>
-          </a:p>
-          <a:p>
-            <a:pPr marL="285750" indent="-285750"/>
-            <a:r>
-              <a:rPr lang="en-US" dirty="0" smtClean="0"/>
-              <a:t>Or: how many people continued to use transit?</a:t>
-            </a:r>
-            <a:endParaRPr lang="en-US" dirty="0"/>
-          </a:p>
-          <a:p>
-            <a:pPr marL="285750" indent="-285750"/>
-            <a:endParaRPr lang="en-US" dirty="0"/>
-          </a:p>
-          <a:p>
-            <a:pPr marL="285750" indent="-285750"/>
-            <a:r>
-              <a:rPr lang="en-US" dirty="0"/>
-              <a:t>Does this vary by city?</a:t>
-            </a:r>
-          </a:p>
-          <a:p>
-            <a:pPr marL="285750" indent="-285750"/>
-            <a:endParaRPr lang="en-US" dirty="0"/>
-          </a:p>
-          <a:p>
-            <a:pPr marL="285750" indent="-285750"/>
-            <a:r>
-              <a:rPr lang="en-US" dirty="0"/>
-              <a:t>What explains this variation:</a:t>
-            </a:r>
-          </a:p>
-          <a:p>
-            <a:pPr marL="742950" lvl="1" indent="-285750"/>
-            <a:r>
-              <a:rPr lang="en-US" dirty="0"/>
-              <a:t>Transit dependence?</a:t>
-            </a:r>
-          </a:p>
-          <a:p>
-            <a:pPr marL="742950" lvl="1" indent="-285750"/>
-            <a:r>
-              <a:rPr lang="en-US" dirty="0"/>
-              <a:t>Jobs mix?</a:t>
-            </a:r>
-          </a:p>
-          <a:p>
-            <a:pPr marL="742950" lvl="1" indent="-285750"/>
-            <a:r>
-              <a:rPr lang="en-US" dirty="0"/>
-              <a:t>Socioeconomic status?</a:t>
-            </a:r>
-          </a:p>
-          <a:p>
-            <a:endParaRPr lang="en-US" dirty="0"/>
           </a:p>
         </p:txBody>
       </p:sp>
     </p:spTree>
     <p:extLst>
       <p:ext uri="{BB962C8B-B14F-4D97-AF65-F5344CB8AC3E}">
-        <p14:creationId xmlns:p14="http://schemas.microsoft.com/office/powerpoint/2010/main" val="1509891306"/>
+        <p14:creationId xmlns:p14="http://schemas.microsoft.com/office/powerpoint/2010/main" val="4260412086"/>
       </p:ext>
     </p:extLst>
   </p:cSld>
@@ -5013,6 +5126,146 @@
       </p:grpSpPr>
       <p:sp>
         <p:nvSpPr>
+          <p:cNvPr id="2" name="Title 1"/>
+          <p:cNvSpPr>
+            <a:spLocks noGrp="1"/>
+          </p:cNvSpPr>
+          <p:nvPr>
+            <p:ph type="title"/>
+          </p:nvPr>
+        </p:nvSpPr>
+        <p:spPr/>
+        <p:txBody>
+          <a:bodyPr/>
+          <a:lstStyle/>
+          <a:p>
+            <a:r>
+              <a:rPr lang="en-US" dirty="0" smtClean="0"/>
+              <a:t>Floor value</a:t>
+            </a:r>
+            <a:endParaRPr lang="en-US" dirty="0"/>
+          </a:p>
+        </p:txBody>
+      </p:sp>
+      <p:sp>
+        <p:nvSpPr>
+          <p:cNvPr id="3" name="Content Placeholder 2"/>
+          <p:cNvSpPr>
+            <a:spLocks noGrp="1"/>
+          </p:cNvSpPr>
+          <p:nvPr>
+            <p:ph idx="1"/>
+          </p:nvPr>
+        </p:nvSpPr>
+        <p:spPr/>
+        <p:txBody>
+          <a:bodyPr>
+            <a:normAutofit lnSpcReduction="10000"/>
+          </a:bodyPr>
+          <a:lstStyle/>
+          <a:p>
+            <a:pPr marL="285750" indent="-285750"/>
+            <a:r>
+              <a:rPr lang="en-US" dirty="0"/>
+              <a:t>What is the base level of patronage during this crisis? </a:t>
+            </a:r>
+            <a:endParaRPr lang="en-US" dirty="0" smtClean="0"/>
+          </a:p>
+          <a:p>
+            <a:pPr marL="285750" indent="-285750"/>
+            <a:r>
+              <a:rPr lang="en-US" dirty="0" smtClean="0"/>
+              <a:t>Or: how many people stopped to use transit during this pandemic?</a:t>
+            </a:r>
+          </a:p>
+          <a:p>
+            <a:pPr marL="285750" indent="-285750"/>
+            <a:r>
+              <a:rPr lang="en-US" dirty="0" smtClean="0"/>
+              <a:t>Or: how many people continued to use transit?</a:t>
+            </a:r>
+            <a:endParaRPr lang="en-US" dirty="0"/>
+          </a:p>
+          <a:p>
+            <a:pPr marL="285750" indent="-285750"/>
+            <a:endParaRPr lang="en-US" dirty="0"/>
+          </a:p>
+          <a:p>
+            <a:pPr marL="285750" indent="-285750"/>
+            <a:r>
+              <a:rPr lang="en-US" dirty="0"/>
+              <a:t>Does this vary by city?</a:t>
+            </a:r>
+          </a:p>
+          <a:p>
+            <a:pPr marL="285750" indent="-285750"/>
+            <a:endParaRPr lang="en-US" dirty="0"/>
+          </a:p>
+          <a:p>
+            <a:pPr marL="285750" indent="-285750"/>
+            <a:r>
+              <a:rPr lang="en-US" dirty="0"/>
+              <a:t>What explains this variation:</a:t>
+            </a:r>
+          </a:p>
+          <a:p>
+            <a:pPr marL="742950" lvl="1" indent="-285750"/>
+            <a:r>
+              <a:rPr lang="en-US" dirty="0"/>
+              <a:t>Transit dependence?</a:t>
+            </a:r>
+          </a:p>
+          <a:p>
+            <a:pPr marL="742950" lvl="1" indent="-285750"/>
+            <a:r>
+              <a:rPr lang="en-US" dirty="0"/>
+              <a:t>Jobs mix?</a:t>
+            </a:r>
+          </a:p>
+          <a:p>
+            <a:pPr marL="742950" lvl="1" indent="-285750"/>
+            <a:r>
+              <a:rPr lang="en-US" dirty="0"/>
+              <a:t>Socioeconomic status?</a:t>
+            </a:r>
+          </a:p>
+          <a:p>
+            <a:endParaRPr lang="en-US" dirty="0"/>
+          </a:p>
+        </p:txBody>
+      </p:sp>
+    </p:spTree>
+    <p:extLst>
+      <p:ext uri="{BB962C8B-B14F-4D97-AF65-F5344CB8AC3E}">
+        <p14:creationId xmlns:p14="http://schemas.microsoft.com/office/powerpoint/2010/main" val="1509891306"/>
+      </p:ext>
+    </p:extLst>
+  </p:cSld>
+  <p:clrMapOvr>
+    <a:masterClrMapping/>
+  </p:clrMapOvr>
+</p:sld>
+</file>
+
+<file path=ppt/slides/slide5.xml><?xml version="1.0" encoding="utf-8"?>
+<p:sld xmlns:a="http://schemas.openxmlformats.org/drawingml/2006/main" xmlns:r="http://schemas.openxmlformats.org/officeDocument/2006/relationships" xmlns:p="http://schemas.openxmlformats.org/presentationml/2006/main">
+  <p:cSld>
+    <p:spTree>
+      <p:nvGrpSpPr>
+        <p:cNvPr id="1" name=""/>
+        <p:cNvGrpSpPr/>
+        <p:nvPr/>
+      </p:nvGrpSpPr>
+      <p:grpSpPr>
+        <a:xfrm>
+          <a:off x="0" y="0"/>
+          <a:ext cx="0" cy="0"/>
+          <a:chOff x="0" y="0"/>
+          <a:chExt cx="0" cy="0"/>
+        </a:xfrm>
+      </p:grpSpPr>
+      <p:sp>
+        <p:nvSpPr>
           <p:cNvPr id="2" name="Title 1">
             <a:extLst>
               <a:ext uri="{FF2B5EF4-FFF2-40B4-BE49-F238E27FC236}">
@@ -5145,7 +5398,7 @@
 </p:sld>
 </file>
 
-<file path=ppt/slides/slide5.xml><?xml version="1.0" encoding="utf-8"?>
+<file path=ppt/slides/slide6.xml><?xml version="1.0" encoding="utf-8"?>
 <p:sld xmlns:a="http://schemas.openxmlformats.org/drawingml/2006/main" xmlns:r="http://schemas.openxmlformats.org/officeDocument/2006/relationships" xmlns:p="http://schemas.openxmlformats.org/presentationml/2006/main">
   <p:cSld>
     <p:spTree>
@@ -5400,86 +5653,6 @@
 </p:sld>
 </file>
 
-<file path=ppt/slides/slide6.xml><?xml version="1.0" encoding="utf-8"?>
-<p:sld xmlns:a="http://schemas.openxmlformats.org/drawingml/2006/main" xmlns:r="http://schemas.openxmlformats.org/officeDocument/2006/relationships" xmlns:p="http://schemas.openxmlformats.org/presentationml/2006/main">
-  <p:cSld>
-    <p:spTree>
-      <p:nvGrpSpPr>
-        <p:cNvPr id="1" name=""/>
-        <p:cNvGrpSpPr/>
-        <p:nvPr/>
-      </p:nvGrpSpPr>
-      <p:grpSpPr>
-        <a:xfrm>
-          <a:off x="0" y="0"/>
-          <a:ext cx="0" cy="0"/>
-          <a:chOff x="0" y="0"/>
-          <a:chExt cx="0" cy="0"/>
-        </a:xfrm>
-      </p:grpSpPr>
-      <p:sp>
-        <p:nvSpPr>
-          <p:cNvPr id="2" name="Title 1"/>
-          <p:cNvSpPr>
-            <a:spLocks noGrp="1"/>
-          </p:cNvSpPr>
-          <p:nvPr>
-            <p:ph type="title"/>
-          </p:nvPr>
-        </p:nvSpPr>
-        <p:spPr/>
-        <p:txBody>
-          <a:bodyPr/>
-          <a:lstStyle/>
-          <a:p>
-            <a:r>
-              <a:rPr lang="en-US" altLang="zh-CN" dirty="0"/>
-              <a:t>Who are still using transit </a:t>
-            </a:r>
-            <a:r>
-              <a:rPr lang="en-US" altLang="zh-CN" dirty="0" smtClean="0"/>
-              <a:t>during the pandemic</a:t>
-            </a:r>
-            <a:endParaRPr lang="en-US" dirty="0"/>
-          </a:p>
-        </p:txBody>
-      </p:sp>
-      <p:sp>
-        <p:nvSpPr>
-          <p:cNvPr id="3" name="Text Placeholder 2"/>
-          <p:cNvSpPr>
-            <a:spLocks noGrp="1"/>
-          </p:cNvSpPr>
-          <p:nvPr>
-            <p:ph type="body" idx="1"/>
-          </p:nvPr>
-        </p:nvSpPr>
-        <p:spPr/>
-        <p:txBody>
-          <a:bodyPr/>
-          <a:lstStyle/>
-          <a:p>
-            <a:r>
-              <a:rPr lang="en-US" dirty="0" smtClean="0"/>
-              <a:t>Some conclusions from our research and the survey by Transit app</a:t>
-            </a:r>
-            <a:endParaRPr lang="en-US" dirty="0"/>
-          </a:p>
-        </p:txBody>
-      </p:sp>
-    </p:spTree>
-    <p:extLst>
-      <p:ext uri="{BB962C8B-B14F-4D97-AF65-F5344CB8AC3E}">
-        <p14:creationId xmlns:p14="http://schemas.microsoft.com/office/powerpoint/2010/main" val="2230177466"/>
-      </p:ext>
-    </p:extLst>
-  </p:cSld>
-  <p:clrMapOvr>
-    <a:masterClrMapping/>
-  </p:clrMapOvr>
-</p:sld>
-</file>
-
 <file path=ppt/slides/slide7.xml><?xml version="1.0" encoding="utf-8"?>
 <p:sld xmlns:a="http://schemas.openxmlformats.org/drawingml/2006/main" xmlns:r="http://schemas.openxmlformats.org/officeDocument/2006/relationships" xmlns:p="http://schemas.openxmlformats.org/presentationml/2006/main">
   <p:cSld>
@@ -5513,8 +5686,12 @@
           <a:lstStyle/>
           <a:p>
             <a:r>
-              <a:rPr lang="en-US" dirty="0" smtClean="0"/>
-              <a:t>Survey</a:t>
+              <a:rPr lang="en-US" altLang="zh-CN" dirty="0"/>
+              <a:t>Who are still using transit </a:t>
+            </a:r>
+            <a:r>
+              <a:rPr lang="en-US" altLang="zh-CN" dirty="0" smtClean="0"/>
+              <a:t>during the pandemic</a:t>
             </a:r>
             <a:endParaRPr lang="en-US" dirty="0"/>
           </a:p>
@@ -5522,52 +5699,23 @@
       </p:sp>
       <p:sp>
         <p:nvSpPr>
-          <p:cNvPr id="3" name="Content Placeholder 2"/>
-          <p:cNvSpPr>
-            <a:spLocks noGrp="1"/>
-          </p:cNvSpPr>
-          <p:nvPr>
-            <p:ph idx="1"/>
-          </p:nvPr>
-        </p:nvSpPr>
-        <p:spPr/>
-        <p:txBody>
-          <a:bodyPr/>
-          <a:lstStyle/>
-          <a:p>
-            <a:r>
-              <a:rPr lang="en-US" dirty="0" smtClean="0"/>
-              <a:t>Transit app conduced a user survey (n= 25000, n = 15000 in US) about who are still using the transit during the pandemic.</a:t>
-            </a:r>
-          </a:p>
-          <a:p>
-            <a:r>
-              <a:rPr lang="en-US" dirty="0" smtClean="0"/>
-              <a:t>Survey different aspects of the “</a:t>
-            </a:r>
-            <a:r>
-              <a:rPr lang="en-US" dirty="0" smtClean="0">
-                <a:solidFill>
-                  <a:srgbClr val="FF0000"/>
-                </a:solidFill>
-              </a:rPr>
-              <a:t>essential transit users</a:t>
-            </a:r>
-            <a:r>
-              <a:rPr lang="en-US" dirty="0" smtClean="0"/>
-              <a:t>” during the pandemic, including mobility, social-economic, and demographic information.</a:t>
-            </a:r>
-          </a:p>
-          <a:p>
-            <a:endParaRPr lang="en-US" dirty="0"/>
-          </a:p>
-          <a:p>
-            <a:r>
-              <a:rPr lang="en-US" dirty="0"/>
-              <a:t>Different data source, same conclusions.</a:t>
-            </a:r>
-          </a:p>
-          <a:p>
+          <p:cNvPr id="3" name="Text Placeholder 2"/>
+          <p:cNvSpPr>
+            <a:spLocks noGrp="1"/>
+          </p:cNvSpPr>
+          <p:nvPr>
+            <p:ph type="body" idx="1"/>
+          </p:nvPr>
+        </p:nvSpPr>
+        <p:spPr/>
+        <p:txBody>
+          <a:bodyPr/>
+          <a:lstStyle/>
+          <a:p>
+            <a:r>
+              <a:rPr lang="en-US" dirty="0" smtClean="0"/>
+              <a:t>Some conclusions from our research and the survey by Transit app</a:t>
+            </a:r>
             <a:endParaRPr lang="en-US" dirty="0"/>
           </a:p>
         </p:txBody>
@@ -5575,7 +5723,7 @@
     </p:spTree>
     <p:extLst>
       <p:ext uri="{BB962C8B-B14F-4D97-AF65-F5344CB8AC3E}">
-        <p14:creationId xmlns:p14="http://schemas.microsoft.com/office/powerpoint/2010/main" val="2674071149"/>
+        <p14:creationId xmlns:p14="http://schemas.microsoft.com/office/powerpoint/2010/main" val="2230177466"/>
       </p:ext>
     </p:extLst>
   </p:cSld>
@@ -5619,7 +5767,7 @@
           <a:p>
             <a:r>
               <a:rPr lang="en-US" dirty="0" smtClean="0"/>
-              <a:t>Your occupation matters</a:t>
+              <a:t>Survey</a:t>
             </a:r>
             <a:endParaRPr lang="en-US" dirty="0"/>
           </a:p>
@@ -5637,23 +5785,18 @@
         </p:nvSpPr>
         <p:spPr/>
         <p:txBody>
-          <a:bodyPr>
-            <a:normAutofit fontScale="92500" lnSpcReduction="10000"/>
-          </a:bodyPr>
-          <a:lstStyle/>
-          <a:p>
-            <a:pPr marL="0" indent="0">
-              <a:buNone/>
-            </a:pPr>
-            <a:r>
-              <a:rPr lang="en-US" dirty="0" smtClean="0"/>
-              <a:t>From our research:</a:t>
-            </a:r>
-          </a:p>
-          <a:p>
-            <a:r>
-              <a:rPr lang="en-US" dirty="0" smtClean="0"/>
-              <a:t>The amount of essential transit passengers is highly correlated with </a:t>
+          <a:bodyPr/>
+          <a:lstStyle/>
+          <a:p>
+            <a:r>
+              <a:rPr lang="en-US" dirty="0" smtClean="0"/>
+              <a:t>Transit app conduced a user survey (n= 25000, n = 15000 in US) about who are still using the transit during the pandemic.</a:t>
+            </a:r>
+          </a:p>
+          <a:p>
+            <a:r>
+              <a:rPr lang="en-US" dirty="0" smtClean="0"/>
+              <a:t>Survey different aspects of the “</a:t>
             </a:r>
             <a:r>
               <a:rPr lang="en-US" dirty="0" smtClean="0">
@@ -5661,164 +5804,31 @@
                   <a:srgbClr val="FF0000"/>
                 </a:solidFill>
               </a:rPr>
-              <a:t>the ratio of people with non-physical occupations</a:t>
-            </a:r>
-          </a:p>
-          <a:p>
-            <a:r>
-              <a:rPr lang="en-US" dirty="0" smtClean="0"/>
-              <a:t>Or: </a:t>
-            </a:r>
-            <a:r>
-              <a:rPr lang="en-US" dirty="0" smtClean="0">
-                <a:solidFill>
-                  <a:srgbClr val="FF0000"/>
-                </a:solidFill>
-              </a:rPr>
-              <a:t>how many people can work from home</a:t>
-            </a:r>
-          </a:p>
-          <a:p>
-            <a:pPr marL="0" indent="0">
-              <a:buNone/>
-            </a:pPr>
-            <a:endParaRPr lang="en-US" dirty="0" smtClean="0"/>
-          </a:p>
-          <a:p>
-            <a:pPr marL="0" indent="0">
-              <a:buNone/>
-            </a:pPr>
-            <a:r>
-              <a:rPr lang="en-US" dirty="0" smtClean="0"/>
-              <a:t>From the survey:</a:t>
-            </a:r>
-          </a:p>
-          <a:p>
-            <a:r>
-              <a:rPr lang="en-US" dirty="0" smtClean="0"/>
-              <a:t>The top 4 industry: </a:t>
-            </a:r>
-          </a:p>
-          <a:p>
-            <a:pPr lvl="1"/>
-            <a:r>
-              <a:rPr lang="en-US" dirty="0" smtClean="0"/>
-              <a:t>Food;</a:t>
-            </a:r>
-          </a:p>
-          <a:p>
-            <a:pPr lvl="1"/>
-            <a:r>
-              <a:rPr lang="en-US" dirty="0" smtClean="0"/>
-              <a:t>Health care;</a:t>
-            </a:r>
-          </a:p>
-          <a:p>
-            <a:pPr lvl="1"/>
-            <a:r>
-              <a:rPr lang="en-US" dirty="0" smtClean="0"/>
-              <a:t>Sales;</a:t>
-            </a:r>
-          </a:p>
-          <a:p>
-            <a:pPr lvl="1"/>
-            <a:r>
-              <a:rPr lang="en-US" dirty="0" smtClean="0"/>
-              <a:t>Health care </a:t>
-            </a:r>
-            <a:r>
-              <a:rPr lang="en-US" dirty="0" err="1" smtClean="0"/>
-              <a:t>practioners</a:t>
-            </a:r>
-            <a:r>
-              <a:rPr lang="en-US" dirty="0" smtClean="0"/>
-              <a:t> and technical</a:t>
-            </a:r>
+              <a:t>essential transit users</a:t>
+            </a:r>
+            <a:r>
+              <a:rPr lang="en-US" dirty="0" smtClean="0"/>
+              <a:t>” during the pandemic, including mobility, social-economic, and demographic information.</a:t>
+            </a:r>
+          </a:p>
+          <a:p>
             <a:endParaRPr lang="en-US" dirty="0"/>
           </a:p>
-        </p:txBody>
-      </p:sp>
-      <p:sp>
-        <p:nvSpPr>
-          <p:cNvPr id="4" name="TextBox 3"/>
-          <p:cNvSpPr txBox="1"/>
-          <p:nvPr/>
-        </p:nvSpPr>
-        <p:spPr>
-          <a:xfrm>
-            <a:off x="6525126" y="4352879"/>
-            <a:ext cx="4828674" cy="1692771"/>
-          </a:xfrm>
-          <a:prstGeom prst="rect">
-            <a:avLst/>
-          </a:prstGeom>
-          <a:noFill/>
-        </p:spPr>
-        <p:txBody>
-          <a:bodyPr wrap="square" rtlCol="0">
-            <a:spAutoFit/>
-          </a:bodyPr>
-          <a:lstStyle/>
-          <a:p>
-            <a:pPr marL="457200" indent="-457200">
-              <a:buFont typeface="Arial" panose="020B0604020202020204" pitchFamily="34" charset="0"/>
-              <a:buChar char="•"/>
-            </a:pPr>
-            <a:r>
-              <a:rPr lang="en-US" sz="2400" dirty="0"/>
-              <a:t>The least 4 </a:t>
-            </a:r>
-            <a:r>
-              <a:rPr lang="en-US" sz="2400" dirty="0" smtClean="0"/>
-              <a:t>industry:</a:t>
-            </a:r>
-          </a:p>
-          <a:p>
-            <a:pPr marL="914400" lvl="1" indent="-457200">
-              <a:buFont typeface="Arial" panose="020B0604020202020204" pitchFamily="34" charset="0"/>
-              <a:buChar char="•"/>
-            </a:pPr>
-            <a:r>
-              <a:rPr lang="en-US" sz="2000" dirty="0"/>
-              <a:t>Management;</a:t>
-            </a:r>
-          </a:p>
-          <a:p>
-            <a:pPr marL="914400" lvl="1" indent="-457200">
-              <a:buFont typeface="Arial" panose="020B0604020202020204" pitchFamily="34" charset="0"/>
-              <a:buChar char="•"/>
-            </a:pPr>
-            <a:r>
-              <a:rPr lang="en-US" sz="2000" dirty="0"/>
-              <a:t>Architecture and engineering;</a:t>
-            </a:r>
-          </a:p>
-          <a:p>
-            <a:pPr marL="914400" lvl="1" indent="-457200">
-              <a:buFont typeface="Arial" panose="020B0604020202020204" pitchFamily="34" charset="0"/>
-              <a:buChar char="•"/>
-            </a:pPr>
-            <a:r>
-              <a:rPr lang="en-US" sz="2000" dirty="0"/>
-              <a:t>Legal;</a:t>
-            </a:r>
-          </a:p>
-          <a:p>
-            <a:pPr marL="914400" lvl="1" indent="-457200">
-              <a:buFont typeface="Arial" panose="020B0604020202020204" pitchFamily="34" charset="0"/>
-              <a:buChar char="•"/>
-            </a:pPr>
-            <a:r>
-              <a:rPr lang="en-US" sz="2000" dirty="0"/>
-              <a:t>Science.</a:t>
-            </a:r>
+          <a:p>
+            <a:r>
+              <a:rPr lang="en-US" dirty="0"/>
+              <a:t>Different data source, same conclusions.</a:t>
+            </a:r>
+          </a:p>
+          <a:p>
+            <a:endParaRPr lang="en-US" dirty="0"/>
           </a:p>
         </p:txBody>
       </p:sp>
     </p:spTree>
     <p:extLst>
       <p:ext uri="{BB962C8B-B14F-4D97-AF65-F5344CB8AC3E}">
-        <p14:creationId xmlns:p14="http://schemas.microsoft.com/office/powerpoint/2010/main" val="1415127452"/>
+        <p14:creationId xmlns:p14="http://schemas.microsoft.com/office/powerpoint/2010/main" val="2674071149"/>
       </p:ext>
     </p:extLst>
   </p:cSld>
@@ -5862,7 +5872,7 @@
           <a:p>
             <a:r>
               <a:rPr lang="en-US" dirty="0" smtClean="0"/>
-              <a:t>Your race matters</a:t>
+              <a:t>Your occupation matters</a:t>
             </a:r>
             <a:endParaRPr lang="en-US" dirty="0"/>
           </a:p>
@@ -5878,15 +5888,10 @@
             <p:ph idx="1"/>
           </p:nvPr>
         </p:nvSpPr>
-        <p:spPr>
-          <a:xfrm>
-            <a:off x="838200" y="1825625"/>
-            <a:ext cx="5305926" cy="4351338"/>
-          </a:xfrm>
-        </p:spPr>
+        <p:spPr/>
         <p:txBody>
           <a:bodyPr>
-            <a:normAutofit fontScale="92500"/>
+            <a:normAutofit fontScale="92500" lnSpcReduction="10000"/>
           </a:bodyPr>
           <a:lstStyle/>
           <a:p>
@@ -5901,13 +5906,7 @@
           <a:p>
             <a:r>
               <a:rPr lang="en-US" dirty="0" smtClean="0"/>
-              <a:t>A city’s demand decrease level is correlated with ratio of African American and Hispanic population.</a:t>
-            </a:r>
-          </a:p>
-          <a:p>
-            <a:r>
-              <a:rPr lang="en-US" dirty="0" smtClean="0"/>
-              <a:t>Cities with </a:t>
+              <a:t>The amount of essential transit passengers is highly correlated with </a:t>
             </a:r>
             <a:r>
               <a:rPr lang="en-US" dirty="0" smtClean="0">
@@ -5915,11 +5914,13 @@
                   <a:srgbClr val="FF0000"/>
                 </a:solidFill>
               </a:rPr>
-              <a:t>more</a:t>
-            </a:r>
-            <a:r>
-              <a:rPr lang="en-US" dirty="0" smtClean="0"/>
-              <a:t> African American / Hispanic population are likely to have a </a:t>
+              <a:t>the ratio of people with non-physical occupations</a:t>
+            </a:r>
+          </a:p>
+          <a:p>
+            <a:r>
+              <a:rPr lang="en-US" dirty="0" smtClean="0"/>
+              <a:t>Or: </a:t>
             </a:r>
             <a:r>
               <a:rPr lang="en-US" dirty="0" smtClean="0">
@@ -5927,78 +5928,150 @@
                   <a:srgbClr val="FF0000"/>
                 </a:solidFill>
               </a:rPr>
-              <a:t>higher</a:t>
-            </a:r>
-            <a:r>
-              <a:rPr lang="en-US" dirty="0" smtClean="0"/>
-              <a:t> floor value.</a:t>
+              <a:t>how many people can work from home</a:t>
             </a:r>
           </a:p>
           <a:p>
             <a:pPr marL="0" indent="0">
               <a:buNone/>
             </a:pPr>
+            <a:endParaRPr lang="en-US" dirty="0" smtClean="0"/>
+          </a:p>
+          <a:p>
+            <a:pPr marL="0" indent="0">
+              <a:buNone/>
+            </a:pPr>
+            <a:r>
+              <a:rPr lang="en-US" dirty="0" smtClean="0"/>
+              <a:t>From the survey:</a:t>
+            </a:r>
+          </a:p>
+          <a:p>
+            <a:r>
+              <a:rPr lang="en-US" dirty="0" smtClean="0"/>
+              <a:t>The top 4 industry: </a:t>
+            </a:r>
+          </a:p>
+          <a:p>
+            <a:pPr lvl="1"/>
+            <a:r>
+              <a:rPr lang="en-US" dirty="0" smtClean="0"/>
+              <a:t>Food;</a:t>
+            </a:r>
+          </a:p>
+          <a:p>
+            <a:pPr lvl="1"/>
+            <a:r>
+              <a:rPr lang="en-US" dirty="0" smtClean="0"/>
+              <a:t>Health care;</a:t>
+            </a:r>
+          </a:p>
+          <a:p>
+            <a:pPr lvl="1"/>
+            <a:r>
+              <a:rPr lang="en-US" dirty="0" smtClean="0"/>
+              <a:t>Sales;</a:t>
+            </a:r>
+          </a:p>
+          <a:p>
+            <a:pPr lvl="1"/>
+            <a:r>
+              <a:rPr lang="en-US" dirty="0" smtClean="0"/>
+              <a:t>Health care </a:t>
+            </a:r>
+            <a:r>
+              <a:rPr lang="en-US" dirty="0" err="1" smtClean="0"/>
+              <a:t>practioners</a:t>
+            </a:r>
+            <a:r>
+              <a:rPr lang="en-US" dirty="0" smtClean="0"/>
+              <a:t> and technical</a:t>
+            </a:r>
             <a:endParaRPr lang="en-US" dirty="0"/>
           </a:p>
-          <a:p>
-            <a:pPr marL="0" indent="0">
-              <a:buNone/>
-            </a:pPr>
-            <a:r>
-              <a:rPr lang="en-US" dirty="0" smtClean="0"/>
-              <a:t>From the survey:</a:t>
-            </a:r>
-          </a:p>
-          <a:p>
-            <a:endParaRPr lang="en-US" dirty="0"/>
-          </a:p>
-        </p:txBody>
-      </p:sp>
-      <p:pic>
-        <p:nvPicPr>
-          <p:cNvPr id="1026" name="Picture 2" descr="https://miro.medium.com/max/4080/1*sdo8aCUUs4vlDpzHe-I8iA.png"/>
-          <p:cNvPicPr>
-            <a:picLocks noChangeAspect="1" noChangeArrowheads="1"/>
-          </p:cNvPicPr>
+        </p:txBody>
+      </p:sp>
+      <p:sp>
+        <p:nvSpPr>
+          <p:cNvPr id="4" name="TextBox 3"/>
+          <p:cNvSpPr txBox="1"/>
           <p:nvPr/>
-        </p:nvPicPr>
-        <p:blipFill>
-          <a:blip r:embed="rId2" cstate="print">
-            <a:extLst>
-              <a:ext uri="{28A0092B-C50C-407E-A947-70E740481C1C}">
-                <a14:useLocalDpi xmlns:a14="http://schemas.microsoft.com/office/drawing/2010/main" val="0"/>
-              </a:ext>
-            </a:extLst>
-          </a:blip>
-          <a:srcRect/>
-          <a:stretch>
-            <a:fillRect/>
-          </a:stretch>
-        </p:blipFill>
-        <p:spPr bwMode="auto">
+        </p:nvSpPr>
+        <p:spPr>
           <a:xfrm>
-            <a:off x="5451849" y="772737"/>
-            <a:ext cx="6996301" cy="5932863"/>
+            <a:off x="6525126" y="4352879"/>
+            <a:ext cx="4828674" cy="1692771"/>
           </a:xfrm>
           <a:prstGeom prst="rect">
             <a:avLst/>
           </a:prstGeom>
           <a:noFill/>
-          <a:extLst>
-            <a:ext uri="{909E8E84-426E-40DD-AFC4-6F175D3DCCD1}">
-              <a14:hiddenFill xmlns:a14="http://schemas.microsoft.com/office/drawing/2010/main">
-                <a:solidFill>
-                  <a:srgbClr val="FFFFFF"/>
-                </a:solidFill>
-              </a14:hiddenFill>
-            </a:ext>
-          </a:extLst>
         </p:spPr>
-      </p:pic>
+        <p:txBody>
+          <a:bodyPr wrap="square" rtlCol="0">
+            <a:spAutoFit/>
+          </a:bodyPr>
+          <a:lstStyle/>
+          <a:p>
+            <a:pPr marL="457200" indent="-457200">
+              <a:buFont typeface="Arial" panose="020B0604020202020204" pitchFamily="34" charset="0"/>
+              <a:buChar char="•"/>
+            </a:pPr>
+            <a:r>
+              <a:rPr lang="en-US" sz="2400" dirty="0"/>
+              <a:t>The least 4 </a:t>
+            </a:r>
+            <a:r>
+              <a:rPr lang="en-US" sz="2400" dirty="0" smtClean="0"/>
+              <a:t>industry:</a:t>
+            </a:r>
+          </a:p>
+          <a:p>
+            <a:pPr marL="914400" lvl="1" indent="-457200">
+              <a:buFont typeface="Arial" panose="020B0604020202020204" pitchFamily="34" charset="0"/>
+              <a:buChar char="•"/>
+            </a:pPr>
+            <a:r>
+              <a:rPr lang="en-US" sz="2000" dirty="0"/>
+              <a:t>Management;</a:t>
+            </a:r>
+          </a:p>
+          <a:p>
+            <a:pPr marL="914400" lvl="1" indent="-457200">
+              <a:buFont typeface="Arial" panose="020B0604020202020204" pitchFamily="34" charset="0"/>
+              <a:buChar char="•"/>
+            </a:pPr>
+            <a:r>
+              <a:rPr lang="en-US" sz="2000" dirty="0"/>
+              <a:t>Architecture and engineering;</a:t>
+            </a:r>
+          </a:p>
+          <a:p>
+            <a:pPr marL="914400" lvl="1" indent="-457200">
+              <a:buFont typeface="Arial" panose="020B0604020202020204" pitchFamily="34" charset="0"/>
+              <a:buChar char="•"/>
+            </a:pPr>
+            <a:r>
+              <a:rPr lang="en-US" sz="2000" dirty="0"/>
+              <a:t>Legal;</a:t>
+            </a:r>
+          </a:p>
+          <a:p>
+            <a:pPr marL="914400" lvl="1" indent="-457200">
+              <a:buFont typeface="Arial" panose="020B0604020202020204" pitchFamily="34" charset="0"/>
+              <a:buChar char="•"/>
+            </a:pPr>
+            <a:r>
+              <a:rPr lang="en-US" sz="2000" dirty="0"/>
+              <a:t>Science.</a:t>
+            </a:r>
+          </a:p>
+        </p:txBody>
+      </p:sp>
     </p:spTree>
     <p:extLst>
       <p:ext uri="{BB962C8B-B14F-4D97-AF65-F5344CB8AC3E}">
-        <p14:creationId xmlns:p14="http://schemas.microsoft.com/office/powerpoint/2010/main" val="2612894327"/>
+        <p14:creationId xmlns:p14="http://schemas.microsoft.com/office/powerpoint/2010/main" val="1415127452"/>
       </p:ext>
     </p:extLst>
   </p:cSld>

--- a/doc/transit_app.pptx
+++ b/doc/transit_app.pptx
@@ -3005,21 +3005,8 @@
           <a:p>
             <a:r>
               <a:rPr lang="en-US" sz="4400" dirty="0"/>
-              <a:t>Measuring the </a:t>
-            </a:r>
-            <a:r>
-              <a:rPr lang="en-US" sz="4400" dirty="0" smtClean="0"/>
-              <a:t>Impact </a:t>
-            </a:r>
-            <a:r>
-              <a:rPr lang="en-US" sz="4400" dirty="0"/>
-              <a:t>of COVID-19 on the Ridership in the US </a:t>
-            </a:r>
-            <a:r>
-              <a:rPr lang="en-US" sz="4400" dirty="0" smtClean="0"/>
-              <a:t>Transit Systems</a:t>
-            </a:r>
-            <a:endParaRPr lang="en-US" sz="4400" dirty="0"/>
+              <a:t>Measuring the Impact of COVID-19 on the Ridership in the US Transit Systems</a:t>
+            </a:r>
           </a:p>
         </p:txBody>
       </p:sp>
@@ -3045,23 +3032,23 @@
           </a:bodyPr>
           <a:lstStyle/>
           <a:p>
-            <a:endParaRPr lang="en-US" dirty="0" smtClean="0"/>
-          </a:p>
-          <a:p>
-            <a:r>
-              <a:rPr lang="en-US" dirty="0" smtClean="0"/>
+            <a:endParaRPr lang="en-US" dirty="0"/>
+          </a:p>
+          <a:p>
+            <a:r>
+              <a:rPr lang="en-US" dirty="0"/>
               <a:t>Luyu Liu, Harvey Miller</a:t>
             </a:r>
           </a:p>
           <a:p>
             <a:r>
-              <a:rPr lang="en-US" dirty="0" smtClean="0"/>
+              <a:rPr lang="en-US" dirty="0"/>
               <a:t>The Ohio State University</a:t>
             </a:r>
           </a:p>
           <a:p>
             <a:r>
-              <a:rPr lang="en-US" dirty="0" smtClean="0"/>
+              <a:rPr lang="en-US" dirty="0"/>
               <a:t>Center for Urban and Regional Analysis</a:t>
             </a:r>
           </a:p>
@@ -3069,14 +3056,13 @@
             <a:endParaRPr lang="en-US" dirty="0"/>
           </a:p>
           <a:p>
-            <a:endParaRPr lang="en-US" dirty="0" smtClean="0"/>
-          </a:p>
-          <a:p>
-            <a:r>
-              <a:rPr lang="en-US" dirty="0" smtClean="0"/>
+            <a:endParaRPr lang="en-US" dirty="0"/>
+          </a:p>
+          <a:p>
+            <a:r>
+              <a:rPr lang="en-US" dirty="0"/>
               <a:t>{liu.6544, miller.81}@osu.edu</a:t>
             </a:r>
-            <a:endParaRPr lang="en-US" dirty="0"/>
           </a:p>
         </p:txBody>
       </p:sp>
@@ -3126,10 +3112,9 @@
           <a:lstStyle/>
           <a:p>
             <a:r>
-              <a:rPr lang="en-US" dirty="0" smtClean="0"/>
+              <a:rPr lang="en-US" dirty="0"/>
               <a:t>Your race matters</a:t>
             </a:r>
-            <a:endParaRPr lang="en-US" dirty="0"/>
           </a:p>
         </p:txBody>
       </p:sp>
@@ -3159,23 +3144,23 @@
               <a:buNone/>
             </a:pPr>
             <a:r>
-              <a:rPr lang="en-US" dirty="0" smtClean="0"/>
+              <a:rPr lang="en-US" dirty="0"/>
               <a:t>From our research:</a:t>
             </a:r>
           </a:p>
           <a:p>
             <a:r>
-              <a:rPr lang="en-US" dirty="0" smtClean="0"/>
+              <a:rPr lang="en-US" dirty="0"/>
               <a:t>A city’s demand decrease level is correlated with ratio of African American and Hispanic population.</a:t>
             </a:r>
           </a:p>
           <a:p>
             <a:r>
-              <a:rPr lang="en-US" dirty="0" smtClean="0"/>
+              <a:rPr lang="en-US" dirty="0"/>
               <a:t>Cities with </a:t>
             </a:r>
             <a:r>
-              <a:rPr lang="en-US" dirty="0" smtClean="0">
+              <a:rPr lang="en-US" dirty="0">
                 <a:solidFill>
                   <a:srgbClr val="FF0000"/>
                 </a:solidFill>
@@ -3183,11 +3168,11 @@
               <a:t>more</a:t>
             </a:r>
             <a:r>
-              <a:rPr lang="en-US" dirty="0" smtClean="0"/>
+              <a:rPr lang="en-US" dirty="0"/>
               <a:t> African American / Hispanic population are likely to have a </a:t>
             </a:r>
             <a:r>
-              <a:rPr lang="en-US" dirty="0" smtClean="0">
+              <a:rPr lang="en-US" dirty="0">
                 <a:solidFill>
                   <a:srgbClr val="FF0000"/>
                 </a:solidFill>
@@ -3195,7 +3180,7 @@
               <a:t>higher</a:t>
             </a:r>
             <a:r>
-              <a:rPr lang="en-US" dirty="0" smtClean="0"/>
+              <a:rPr lang="en-US" dirty="0"/>
               <a:t> floor value.</a:t>
             </a:r>
           </a:p>
@@ -3210,7 +3195,7 @@
               <a:buNone/>
             </a:pPr>
             <a:r>
-              <a:rPr lang="en-US" dirty="0" smtClean="0"/>
+              <a:rPr lang="en-US" dirty="0"/>
               <a:t>From the survey:</a:t>
             </a:r>
           </a:p>
@@ -3306,10 +3291,9 @@
           <a:lstStyle/>
           <a:p>
             <a:r>
-              <a:rPr lang="en-US" dirty="0" smtClean="0"/>
+              <a:rPr lang="en-US" dirty="0"/>
               <a:t>Your sex/gender matters</a:t>
             </a:r>
-            <a:endParaRPr lang="en-US" dirty="0"/>
           </a:p>
         </p:txBody>
       </p:sp>
@@ -3332,7 +3316,7 @@
               <a:buNone/>
             </a:pPr>
             <a:r>
-              <a:rPr lang="en-US" dirty="0" smtClean="0"/>
+              <a:rPr lang="en-US" dirty="0"/>
               <a:t>From our research: If a city has larger female ratio, the floor value is  very likely to have a higher floor value.</a:t>
             </a:r>
           </a:p>
@@ -3347,7 +3331,7 @@
               <a:buNone/>
             </a:pPr>
             <a:r>
-              <a:rPr lang="en-US" dirty="0" smtClean="0"/>
+              <a:rPr lang="en-US" dirty="0"/>
               <a:t>From the survey: transit female/male ratio change from 49%/49% to 56%/40%</a:t>
             </a:r>
           </a:p>
@@ -3356,11 +3340,11 @@
               <a:buNone/>
             </a:pPr>
             <a:r>
-              <a:rPr lang="en-US" dirty="0" smtClean="0"/>
+              <a:rPr lang="en-US" dirty="0"/>
               <a:t>In cities like Philadelphia, </a:t>
             </a:r>
             <a:r>
-              <a:rPr lang="en-US" dirty="0" smtClean="0">
+              <a:rPr lang="en-US" dirty="0">
                 <a:solidFill>
                   <a:srgbClr val="FF0000"/>
                 </a:solidFill>
@@ -3368,7 +3352,7 @@
               <a:t>more than 68% of riders are women</a:t>
             </a:r>
             <a:r>
-              <a:rPr lang="en-US" dirty="0" smtClean="0"/>
+              <a:rPr lang="en-US" dirty="0"/>
               <a:t>.</a:t>
             </a:r>
           </a:p>
@@ -3376,7 +3360,7 @@
             <a:pPr marL="0" indent="0">
               <a:buNone/>
             </a:pPr>
-            <a:endParaRPr lang="en-US" dirty="0" smtClean="0"/>
+            <a:endParaRPr lang="en-US" dirty="0"/>
           </a:p>
           <a:p>
             <a:pPr marL="0" indent="0">
@@ -3432,22 +3416,17 @@
           <a:lstStyle/>
           <a:p>
             <a:r>
-              <a:rPr lang="en-US" dirty="0" smtClean="0"/>
+              <a:rPr lang="en-US" dirty="0"/>
               <a:t>Your </a:t>
             </a:r>
             <a:r>
-              <a:rPr lang="en-US" altLang="zh-CN" dirty="0" smtClean="0"/>
+              <a:rPr lang="en-US" altLang="zh-CN" dirty="0"/>
               <a:t>age</a:t>
             </a:r>
             <a:r>
-              <a:rPr lang="en-US" dirty="0" smtClean="0"/>
-              <a:t> </a:t>
-            </a:r>
-            <a:r>
-              <a:rPr lang="en-US" dirty="0" smtClean="0"/>
-              <a:t>matters</a:t>
-            </a:r>
-            <a:endParaRPr lang="en-US" dirty="0"/>
+              <a:rPr lang="en-US" dirty="0"/>
+              <a:t> matters</a:t>
+            </a:r>
           </a:p>
         </p:txBody>
       </p:sp>
@@ -3470,24 +3449,8 @@
               <a:buNone/>
             </a:pPr>
             <a:r>
-              <a:rPr lang="en-US" dirty="0" smtClean="0"/>
-              <a:t>From our research: If a city has </a:t>
-            </a:r>
-            <a:r>
-              <a:rPr lang="en-US" dirty="0" smtClean="0"/>
-              <a:t>lager ratio of population over 45 years old, </a:t>
-            </a:r>
-            <a:r>
-              <a:rPr lang="en-US" dirty="0" smtClean="0"/>
-              <a:t>the floor value </a:t>
-            </a:r>
-            <a:r>
-              <a:rPr lang="en-US" dirty="0" smtClean="0"/>
-              <a:t>is very </a:t>
-            </a:r>
-            <a:r>
-              <a:rPr lang="en-US" dirty="0" smtClean="0"/>
-              <a:t>likely to have a higher floor value.</a:t>
+              <a:rPr lang="en-US" dirty="0"/>
+              <a:t>From our research: If a city has lager ratio of population over 45 years old, the floor value is very likely to have a higher floor value.</a:t>
             </a:r>
           </a:p>
           <a:p>
@@ -3501,14 +3464,9 @@
               <a:buNone/>
             </a:pPr>
             <a:r>
-              <a:rPr lang="en-US" dirty="0" smtClean="0"/>
-              <a:t>From the </a:t>
-            </a:r>
-            <a:r>
-              <a:rPr lang="en-US" dirty="0" smtClean="0"/>
-              <a:t>survey: Young people tends to stay home. Middle age passenger’s ratio surged high after the outbreak of the pandemic.</a:t>
-            </a:r>
-            <a:endParaRPr lang="en-US" dirty="0"/>
+              <a:rPr lang="en-US" dirty="0"/>
+              <a:t>From the survey: Young people tends to stay home. Middle-age passenger’s ratio surged high after the outbreak of the pandemic.</a:t>
+            </a:r>
           </a:p>
         </p:txBody>
       </p:sp>
@@ -3558,73 +3516,72 @@
           <a:lstStyle/>
           <a:p>
             <a:r>
-              <a:rPr lang="en-US" dirty="0" smtClean="0"/>
+              <a:rPr lang="en-US" dirty="0"/>
               <a:t>Your preference does not matter</a:t>
             </a:r>
+          </a:p>
+        </p:txBody>
+      </p:sp>
+      <p:sp>
+        <p:nvSpPr>
+          <p:cNvPr id="3" name="Content Placeholder 2"/>
+          <p:cNvSpPr>
+            <a:spLocks noGrp="1"/>
+          </p:cNvSpPr>
+          <p:nvPr>
+            <p:ph idx="1"/>
+          </p:nvPr>
+        </p:nvSpPr>
+        <p:spPr/>
+        <p:txBody>
+          <a:bodyPr/>
+          <a:lstStyle/>
+          <a:p>
+            <a:r>
+              <a:rPr lang="en-US" dirty="0"/>
+              <a:t>Social media and Google search statistics have no correlation with the floor value.</a:t>
+            </a:r>
+          </a:p>
+          <a:p>
+            <a:r>
+              <a:rPr lang="en-US" dirty="0"/>
+              <a:t>But Google search statistics are significantly correlated with the speed of the transit demand decrease.</a:t>
+            </a:r>
+          </a:p>
+          <a:p>
             <a:endParaRPr lang="en-US" dirty="0"/>
           </a:p>
-        </p:txBody>
-      </p:sp>
-      <p:sp>
-        <p:nvSpPr>
-          <p:cNvPr id="3" name="Content Placeholder 2"/>
-          <p:cNvSpPr>
-            <a:spLocks noGrp="1"/>
-          </p:cNvSpPr>
-          <p:nvPr>
-            <p:ph idx="1"/>
-          </p:nvPr>
-        </p:nvSpPr>
-        <p:spPr/>
-        <p:txBody>
-          <a:bodyPr/>
-          <a:lstStyle/>
-          <a:p>
-            <a:r>
-              <a:rPr lang="en-US" dirty="0" smtClean="0"/>
-              <a:t>Social media and Google search statistics have no correlation with the floor value.</a:t>
-            </a:r>
-          </a:p>
-          <a:p>
-            <a:r>
-              <a:rPr lang="en-US" dirty="0" smtClean="0"/>
-              <a:t>But Google search statistics are significantly correlated with the speed of the transit demand decrease.</a:t>
-            </a:r>
-          </a:p>
-          <a:p>
+          <a:p>
+            <a:r>
+              <a:rPr lang="en-US" dirty="0"/>
+              <a:t>The myth of “awareness”:</a:t>
+            </a:r>
+          </a:p>
+          <a:p>
+            <a:pPr lvl="1"/>
+            <a:r>
+              <a:rPr lang="en-US" dirty="0"/>
+              <a:t>Essential workers know, yet they still have to work;</a:t>
+            </a:r>
+          </a:p>
+          <a:p>
+            <a:pPr lvl="1"/>
+            <a:r>
+              <a:rPr lang="en-US" dirty="0"/>
+              <a:t>Awareness is only relevant to those who </a:t>
+            </a:r>
+            <a:r>
+              <a:rPr lang="en-US" b="1" i="1" dirty="0"/>
+              <a:t>can </a:t>
+            </a:r>
+            <a:r>
+              <a:rPr lang="en-US" dirty="0"/>
+              <a:t>work from home.</a:t>
+            </a:r>
+          </a:p>
+          <a:p>
+            <a:pPr lvl="1"/>
             <a:endParaRPr lang="en-US" dirty="0"/>
-          </a:p>
-          <a:p>
-            <a:r>
-              <a:rPr lang="en-US" dirty="0" smtClean="0"/>
-              <a:t>The myth of “awareness”:</a:t>
-            </a:r>
-          </a:p>
-          <a:p>
-            <a:pPr lvl="1"/>
-            <a:r>
-              <a:rPr lang="en-US" dirty="0" smtClean="0"/>
-              <a:t>Essential workers know, yet they still have to work;</a:t>
-            </a:r>
-          </a:p>
-          <a:p>
-            <a:pPr lvl="1"/>
-            <a:r>
-              <a:rPr lang="en-US" dirty="0" smtClean="0"/>
-              <a:t>Awareness is only relevant to those who </a:t>
-            </a:r>
-            <a:r>
-              <a:rPr lang="en-US" b="1" i="1" dirty="0" smtClean="0"/>
-              <a:t>can </a:t>
-            </a:r>
-            <a:r>
-              <a:rPr lang="en-US" dirty="0" smtClean="0"/>
-              <a:t>work from home.</a:t>
-            </a:r>
-          </a:p>
-          <a:p>
-            <a:pPr lvl="1"/>
-            <a:endParaRPr lang="en-US" dirty="0" smtClean="0"/>
           </a:p>
         </p:txBody>
       </p:sp>
@@ -3674,57 +3631,56 @@
           <a:lstStyle/>
           <a:p>
             <a:r>
-              <a:rPr lang="en-US" dirty="0" smtClean="0"/>
+              <a:rPr lang="en-US" dirty="0"/>
               <a:t>A building on fire</a:t>
             </a:r>
+          </a:p>
+        </p:txBody>
+      </p:sp>
+      <p:sp>
+        <p:nvSpPr>
+          <p:cNvPr id="3" name="Content Placeholder 2"/>
+          <p:cNvSpPr>
+            <a:spLocks noGrp="1"/>
+          </p:cNvSpPr>
+          <p:nvPr>
+            <p:ph idx="1"/>
+          </p:nvPr>
+        </p:nvSpPr>
+        <p:spPr/>
+        <p:txBody>
+          <a:bodyPr/>
+          <a:lstStyle/>
+          <a:p>
+            <a:pPr marL="0" indent="0">
+              <a:buNone/>
+            </a:pPr>
+            <a:r>
+              <a:rPr lang="en-US" dirty="0"/>
+              <a:t>Awareness of the fact that building is on fire:</a:t>
+            </a:r>
+          </a:p>
+          <a:p>
+            <a:pPr marL="0" indent="0">
+              <a:buNone/>
+            </a:pPr>
             <a:endParaRPr lang="en-US" dirty="0"/>
           </a:p>
-        </p:txBody>
-      </p:sp>
-      <p:sp>
-        <p:nvSpPr>
-          <p:cNvPr id="3" name="Content Placeholder 2"/>
-          <p:cNvSpPr>
-            <a:spLocks noGrp="1"/>
-          </p:cNvSpPr>
-          <p:nvPr>
-            <p:ph idx="1"/>
-          </p:nvPr>
-        </p:nvSpPr>
-        <p:spPr/>
-        <p:txBody>
-          <a:bodyPr/>
-          <a:lstStyle/>
-          <a:p>
-            <a:pPr marL="0" indent="0">
-              <a:buNone/>
-            </a:pPr>
-            <a:r>
-              <a:rPr lang="en-US" dirty="0" smtClean="0"/>
-              <a:t>Awareness of the fact that building is on fire:</a:t>
-            </a:r>
-          </a:p>
-          <a:p>
-            <a:pPr marL="0" indent="0">
-              <a:buNone/>
-            </a:pPr>
-            <a:endParaRPr lang="en-US" dirty="0" smtClean="0"/>
-          </a:p>
-          <a:p>
-            <a:r>
-              <a:rPr lang="en-US" dirty="0" smtClean="0"/>
+          <a:p>
+            <a:r>
+              <a:rPr lang="en-US" dirty="0"/>
               <a:t>Is relevant to the fleeing speed of those who can run for their life;</a:t>
             </a:r>
           </a:p>
           <a:p>
             <a:r>
-              <a:rPr lang="en-US" dirty="0" smtClean="0"/>
+              <a:rPr lang="en-US" dirty="0"/>
               <a:t>Is not relevant to the amount of people who will run for their life;</a:t>
             </a:r>
           </a:p>
           <a:p>
             <a:r>
-              <a:rPr lang="en-US" dirty="0" smtClean="0"/>
+              <a:rPr lang="en-US" dirty="0"/>
               <a:t>Instead, your race, your age, your sex/gender, and your occupation are the factors that are relevant to whether you can run for your life.</a:t>
             </a:r>
           </a:p>
@@ -3784,10 +3740,9 @@
           <a:lstStyle/>
           <a:p>
             <a:r>
-              <a:rPr lang="en-US" dirty="0" smtClean="0"/>
+              <a:rPr lang="en-US" dirty="0"/>
               <a:t>Who is the essential workers again?</a:t>
             </a:r>
-            <a:endParaRPr lang="en-US" dirty="0"/>
           </a:p>
         </p:txBody>
       </p:sp>
@@ -3938,10 +3893,9 @@
           <a:lstStyle/>
           <a:p>
             <a:r>
-              <a:rPr lang="en-US" dirty="0" smtClean="0"/>
+              <a:rPr lang="en-US" dirty="0"/>
               <a:t>Peak analysis</a:t>
             </a:r>
-            <a:endParaRPr lang="en-US" dirty="0"/>
           </a:p>
         </p:txBody>
       </p:sp>
@@ -4010,10 +3964,9 @@
           <a:lstStyle/>
           <a:p>
             <a:r>
-              <a:rPr lang="en-US" dirty="0" smtClean="0"/>
+              <a:rPr lang="en-US" dirty="0"/>
               <a:t>Weekdays and weekends are no more</a:t>
             </a:r>
-            <a:endParaRPr lang="en-US" dirty="0"/>
           </a:p>
         </p:txBody>
       </p:sp>
@@ -4108,10 +4061,9 @@
           <a:lstStyle/>
           <a:p>
             <a:r>
-              <a:rPr lang="en-US" dirty="0" smtClean="0"/>
+              <a:rPr lang="en-US" dirty="0"/>
               <a:t>Peak shifting</a:t>
             </a:r>
-            <a:endParaRPr lang="en-US" dirty="0"/>
           </a:p>
         </p:txBody>
       </p:sp>
@@ -4266,18 +4218,17 @@
           <a:lstStyle/>
           <a:p>
             <a:r>
-              <a:rPr lang="en-US" dirty="0" smtClean="0"/>
+              <a:rPr lang="en-US" dirty="0"/>
               <a:t>Bonus: Fra</a:t>
             </a:r>
             <a:r>
-              <a:rPr lang="en-US" altLang="zh-CN" dirty="0" smtClean="0"/>
+              <a:rPr lang="en-US" altLang="zh-CN" dirty="0"/>
               <a:t>ncophone cities’</a:t>
             </a:r>
             <a:r>
-              <a:rPr lang="en-US" dirty="0" smtClean="0"/>
+              <a:rPr lang="en-US" dirty="0"/>
               <a:t> third peak?</a:t>
             </a:r>
-            <a:endParaRPr lang="en-US" dirty="0"/>
           </a:p>
         </p:txBody>
       </p:sp>
@@ -4483,13 +4434,6 @@
   <p:clrMapOvr>
     <a:masterClrMapping/>
   </p:clrMapOvr>
-  <p:timing>
-    <p:tnLst>
-      <p:par>
-        <p:cTn id="1" dur="indefinite" restart="never" nodeType="tmRoot"/>
-      </p:par>
-    </p:tnLst>
-  </p:timing>
 </p:sld>
 </file>
 
@@ -4526,10 +4470,9 @@
           <a:lstStyle/>
           <a:p>
             <a:r>
-              <a:rPr lang="en-US" dirty="0" smtClean="0"/>
+              <a:rPr lang="en-US" dirty="0"/>
               <a:t>Previously on transit demand</a:t>
             </a:r>
-            <a:endParaRPr lang="en-US" dirty="0"/>
           </a:p>
         </p:txBody>
       </p:sp>
@@ -4598,10 +4541,9 @@
           <a:lstStyle/>
           <a:p>
             <a:r>
-              <a:rPr lang="en-US" dirty="0" smtClean="0"/>
+              <a:rPr lang="en-US" dirty="0"/>
               <a:t>Data Agreement</a:t>
             </a:r>
-            <a:endParaRPr lang="en-US" dirty="0"/>
           </a:p>
         </p:txBody>
       </p:sp>
@@ -4634,13 +4576,6 @@
   <p:clrMapOvr>
     <a:masterClrMapping/>
   </p:clrMapOvr>
-  <p:timing>
-    <p:tnLst>
-      <p:par>
-        <p:cTn id="1" dur="indefinite" restart="never" nodeType="tmRoot"/>
-      </p:par>
-    </p:tnLst>
-  </p:timing>
 </p:sld>
 </file>
 
@@ -4677,10 +4612,9 @@
           <a:lstStyle/>
           <a:p>
             <a:r>
-              <a:rPr lang="en-US" dirty="0" smtClean="0"/>
+              <a:rPr lang="en-US" dirty="0"/>
               <a:t>Priority of the data</a:t>
             </a:r>
-            <a:endParaRPr lang="en-US" dirty="0"/>
           </a:p>
         </p:txBody>
       </p:sp>
@@ -4703,7 +4637,7 @@
               <a:buNone/>
             </a:pPr>
             <a:r>
-              <a:rPr lang="en-US" dirty="0" smtClean="0"/>
+              <a:rPr lang="en-US" dirty="0"/>
               <a:t>Most needed datasets for the publication:</a:t>
             </a:r>
           </a:p>
@@ -4713,7 +4647,7 @@
               <a:buAutoNum type="arabicPeriod"/>
             </a:pPr>
             <a:r>
-              <a:rPr lang="en-US" dirty="0" smtClean="0"/>
+              <a:rPr lang="en-US" dirty="0"/>
               <a:t>Absolute value for hourly data</a:t>
             </a:r>
           </a:p>
@@ -4723,7 +4657,7 @@
               <a:buAutoNum type="arabicPeriod"/>
             </a:pPr>
             <a:r>
-              <a:rPr lang="en-US" dirty="0" smtClean="0"/>
+              <a:rPr lang="en-US" dirty="0"/>
               <a:t>Missing transit systems in the hourly data, such as Atlanta and ;</a:t>
             </a:r>
           </a:p>
@@ -4733,7 +4667,7 @@
               <a:buAutoNum type="arabicPeriod"/>
             </a:pPr>
             <a:r>
-              <a:rPr lang="en-US" dirty="0" smtClean="0"/>
+              <a:rPr lang="en-US" dirty="0"/>
               <a:t>Absolute value for daily data;</a:t>
             </a:r>
           </a:p>
@@ -4743,10 +4677,9 @@
               <a:buAutoNum type="arabicPeriod"/>
             </a:pPr>
             <a:r>
-              <a:rPr lang="en-US" dirty="0" smtClean="0"/>
+              <a:rPr lang="en-US" dirty="0"/>
               <a:t>Survey results</a:t>
             </a:r>
-            <a:endParaRPr lang="en-US" dirty="0"/>
           </a:p>
         </p:txBody>
       </p:sp>
@@ -4796,10 +4729,9 @@
           <a:lstStyle/>
           <a:p>
             <a:r>
-              <a:rPr lang="en-US" dirty="0" smtClean="0"/>
+              <a:rPr lang="en-US" dirty="0"/>
               <a:t>Sharing data? In Franklin County?</a:t>
             </a:r>
-            <a:endParaRPr lang="en-US" dirty="0"/>
           </a:p>
         </p:txBody>
       </p:sp>
@@ -4823,7 +4755,7 @@
               <a:buAutoNum type="arabicPeriod"/>
             </a:pPr>
             <a:r>
-              <a:rPr lang="en-US" dirty="0" smtClean="0"/>
+              <a:rPr lang="en-US" dirty="0"/>
               <a:t>What is the finest while acceptable spatial and temporal resolution that we can use without violating privacy?</a:t>
             </a:r>
           </a:p>
@@ -4840,32 +4772,32 @@
               <a:buAutoNum type="arabicPeriod"/>
             </a:pPr>
             <a:r>
-              <a:rPr lang="en-US" dirty="0" smtClean="0"/>
+              <a:rPr lang="en-US" dirty="0"/>
               <a:t>Sharing protocol: linear “encryption”.</a:t>
             </a:r>
           </a:p>
           <a:p>
             <a:pPr lvl="1"/>
             <a:r>
-              <a:rPr lang="en-US" dirty="0" smtClean="0"/>
+              <a:rPr lang="en-US" dirty="0"/>
               <a:t>Percentage: But to make sure the data is aggregated by the highest value of them all.</a:t>
             </a:r>
           </a:p>
           <a:p>
             <a:pPr lvl="1"/>
             <a:r>
-              <a:rPr lang="en-US" dirty="0" smtClean="0"/>
+              <a:rPr lang="en-US" dirty="0"/>
               <a:t>Linear transformation: or, can just divide the real number by a random number, which is essentially the same as the percentage one.</a:t>
             </a:r>
           </a:p>
           <a:p>
             <a:pPr lvl="1"/>
             <a:r>
-              <a:rPr lang="en-US" dirty="0" smtClean="0"/>
+              <a:rPr lang="en-US" dirty="0"/>
               <a:t>We think Linear transformation </a:t>
             </a:r>
             <a:r>
-              <a:rPr lang="en-US" altLang="zh-CN" dirty="0" smtClean="0"/>
+              <a:rPr lang="en-US" altLang="zh-CN" dirty="0"/>
               <a:t>is better, since it will save significant amount of time while achieve the same effect.</a:t>
             </a:r>
             <a:endParaRPr lang="en-US" dirty="0"/>
@@ -4918,14 +4850,9 @@
           <a:lstStyle/>
           <a:p>
             <a:r>
-              <a:rPr lang="en-US" dirty="0" smtClean="0"/>
-              <a:t>Decline </a:t>
-            </a:r>
-            <a:r>
-              <a:rPr lang="en-US" dirty="0" smtClean="0"/>
-              <a:t>model</a:t>
-            </a:r>
-            <a:endParaRPr lang="en-US" dirty="0"/>
+              <a:rPr lang="en-US" dirty="0"/>
+              <a:t>Decline model</a:t>
+            </a:r>
           </a:p>
         </p:txBody>
       </p:sp>
@@ -4992,10 +4919,9 @@
           <a:lstStyle/>
           <a:p>
             <a:r>
-              <a:rPr lang="en-US" dirty="0" smtClean="0"/>
+              <a:rPr lang="en-US" dirty="0"/>
               <a:t>F</a:t>
             </a:r>
-            <a:endParaRPr lang="en-US" dirty="0"/>
           </a:p>
         </p:txBody>
       </p:sp>
@@ -5140,10 +5066,9 @@
           <a:lstStyle/>
           <a:p>
             <a:r>
-              <a:rPr lang="en-US" dirty="0" smtClean="0"/>
+              <a:rPr lang="en-US" dirty="0"/>
               <a:t>Floor value</a:t>
             </a:r>
-            <a:endParaRPr lang="en-US" dirty="0"/>
           </a:p>
         </p:txBody>
       </p:sp>
@@ -5169,22 +5094,20 @@
               <a:rPr lang="en-US" dirty="0"/>
               <a:t>What is the base level of patronage during this crisis? </a:t>
             </a:r>
-            <a:endParaRPr lang="en-US" dirty="0" smtClean="0"/>
           </a:p>
           <a:p>
             <a:pPr marL="285750" indent="-285750"/>
             <a:r>
-              <a:rPr lang="en-US" dirty="0" smtClean="0"/>
+              <a:rPr lang="en-US" dirty="0"/>
               <a:t>Or: how many people stopped to use transit during this pandemic?</a:t>
             </a:r>
           </a:p>
           <a:p>
             <a:pPr marL="285750" indent="-285750"/>
             <a:r>
-              <a:rPr lang="en-US" dirty="0" smtClean="0"/>
+              <a:rPr lang="en-US" dirty="0"/>
               <a:t>Or: how many people continued to use transit?</a:t>
             </a:r>
-            <a:endParaRPr lang="en-US" dirty="0"/>
           </a:p>
           <a:p>
             <a:pPr marL="285750" indent="-285750"/>
@@ -5286,10 +5209,9 @@
           <a:lstStyle/>
           <a:p>
             <a:r>
-              <a:rPr lang="en-US" dirty="0" smtClean="0"/>
+              <a:rPr lang="en-US" dirty="0"/>
               <a:t>Floor value</a:t>
             </a:r>
-            <a:endParaRPr lang="en-US" dirty="0"/>
           </a:p>
         </p:txBody>
       </p:sp>
@@ -5315,14 +5237,14 @@
           <a:lstStyle/>
           <a:p>
             <a:r>
-              <a:rPr lang="en-US" dirty="0" smtClean="0"/>
+              <a:rPr lang="en-US" dirty="0"/>
               <a:t>Cities have different floor values:</a:t>
             </a:r>
           </a:p>
           <a:p>
             <a:pPr lvl="1"/>
             <a:r>
-              <a:rPr lang="en-US" dirty="0" smtClean="0"/>
+              <a:rPr lang="en-US" dirty="0"/>
               <a:t>University of California Berkeley, The Ride Ann Arbor, and TCAT Ithaca: 90%+</a:t>
             </a:r>
           </a:p>
@@ -5330,13 +5252,8 @@
             <a:pPr lvl="1"/>
             <a:r>
               <a:rPr lang="en-US" dirty="0"/>
-              <a:t>Seattle and Bay area: 80</a:t>
-            </a:r>
-            <a:r>
-              <a:rPr lang="en-US" dirty="0" smtClean="0"/>
-              <a:t>%</a:t>
-            </a:r>
-            <a:endParaRPr lang="en-US" dirty="0"/>
+              <a:t>Seattle and Bay area: 80%</a:t>
+            </a:r>
           </a:p>
           <a:p>
             <a:pPr lvl="1"/>
@@ -5353,21 +5270,8 @@
                   <a:srgbClr val="FF0000"/>
                 </a:solidFill>
               </a:rPr>
-              <a:t>Ohio (Columbus, Cincinnati, Cleveland): 50% - 60</a:t>
-            </a:r>
-            <a:r>
-              <a:rPr lang="en-US" dirty="0" smtClean="0">
-                <a:solidFill>
-                  <a:srgbClr val="FF0000"/>
-                </a:solidFill>
-              </a:rPr>
-              <a:t>%</a:t>
-            </a:r>
-            <a:endParaRPr lang="en-US" dirty="0">
-              <a:solidFill>
-                <a:srgbClr val="FF0000"/>
-              </a:solidFill>
-            </a:endParaRPr>
+              <a:t>Ohio (Columbus, Cincinnati, Cleveland): 50% - 60%</a:t>
+            </a:r>
           </a:p>
           <a:p>
             <a:pPr lvl="1"/>
@@ -5378,7 +5282,7 @@
           </a:p>
           <a:p>
             <a:pPr lvl="1"/>
-            <a:endParaRPr lang="en-US" dirty="0" smtClean="0"/>
+            <a:endParaRPr lang="en-US" dirty="0"/>
           </a:p>
           <a:p>
             <a:endParaRPr lang="en-US" dirty="0"/>
@@ -5498,7 +5402,7 @@
           <a:lstStyle/>
           <a:p>
             <a:r>
-              <a:rPr lang="en-US" dirty="0" smtClean="0">
+              <a:rPr lang="en-US" dirty="0">
                 <a:solidFill>
                   <a:srgbClr val="00B0F0"/>
                 </a:solidFill>
@@ -5511,18 +5415,10 @@
                   <a:schemeClr val="bg1"/>
                 </a:solidFill>
               </a:rPr>
-              <a:t> </a:t>
-            </a:r>
-            <a:r>
-              <a:rPr lang="en-US" dirty="0" smtClean="0">
-                <a:solidFill>
-                  <a:schemeClr val="bg1"/>
-                </a:solidFill>
-              </a:rPr>
-              <a:t>versus </a:t>
-            </a:r>
-            <a:r>
-              <a:rPr lang="en-US" dirty="0" smtClean="0">
+              <a:t> versus </a:t>
+            </a:r>
+            <a:r>
+              <a:rPr lang="en-US" dirty="0">
                 <a:solidFill>
                   <a:srgbClr val="FF0000"/>
                 </a:solidFill>
@@ -5536,7 +5432,7 @@
               <a:buChar char="•"/>
             </a:pPr>
             <a:r>
-              <a:rPr lang="en-US" dirty="0" smtClean="0">
+              <a:rPr lang="en-US" dirty="0">
                 <a:solidFill>
                   <a:schemeClr val="bg1"/>
                 </a:solidFill>
@@ -5550,7 +5446,7 @@
               <a:buChar char="•"/>
             </a:pPr>
             <a:r>
-              <a:rPr lang="en-US" dirty="0" smtClean="0">
+              <a:rPr lang="en-US" dirty="0">
                 <a:solidFill>
                   <a:schemeClr val="bg1"/>
                 </a:solidFill>
@@ -5564,7 +5460,7 @@
               <a:buChar char="•"/>
             </a:pPr>
             <a:r>
-              <a:rPr lang="en-US" dirty="0" smtClean="0">
+              <a:rPr lang="en-US" dirty="0">
                 <a:solidFill>
                   <a:schemeClr val="bg1"/>
                 </a:solidFill>
@@ -5619,7 +5515,7 @@
           <a:p>
             <a:pPr algn="ctr"/>
             <a:r>
-              <a:rPr lang="en-US" altLang="zh-CN" dirty="0" smtClean="0">
+              <a:rPr lang="en-US" altLang="zh-CN" dirty="0">
                 <a:solidFill>
                   <a:schemeClr val="tx1">
                     <a:lumMod val="85000"/>
@@ -5687,11 +5583,7 @@
           <a:p>
             <a:r>
               <a:rPr lang="en-US" altLang="zh-CN" dirty="0"/>
-              <a:t>Who are still using transit </a:t>
-            </a:r>
-            <a:r>
-              <a:rPr lang="en-US" altLang="zh-CN" dirty="0" smtClean="0"/>
-              <a:t>during the pandemic</a:t>
+              <a:t>Who are still using transit during the pandemic</a:t>
             </a:r>
             <a:endParaRPr lang="en-US" dirty="0"/>
           </a:p>
@@ -5713,10 +5605,9 @@
           <a:lstStyle/>
           <a:p>
             <a:r>
-              <a:rPr lang="en-US" dirty="0" smtClean="0"/>
+              <a:rPr lang="en-US" dirty="0"/>
               <a:t>Some conclusions from our research and the survey by Transit app</a:t>
             </a:r>
-            <a:endParaRPr lang="en-US" dirty="0"/>
           </a:p>
         </p:txBody>
       </p:sp>
@@ -5766,10 +5657,9 @@
           <a:lstStyle/>
           <a:p>
             <a:r>
-              <a:rPr lang="en-US" dirty="0" smtClean="0"/>
+              <a:rPr lang="en-US" dirty="0"/>
               <a:t>Survey</a:t>
             </a:r>
-            <a:endParaRPr lang="en-US" dirty="0"/>
           </a:p>
         </p:txBody>
       </p:sp>
@@ -5789,17 +5679,17 @@
           <a:lstStyle/>
           <a:p>
             <a:r>
-              <a:rPr lang="en-US" dirty="0" smtClean="0"/>
+              <a:rPr lang="en-US" dirty="0"/>
               <a:t>Transit app conduced a user survey (n= 25000, n = 15000 in US) about who are still using the transit during the pandemic.</a:t>
             </a:r>
           </a:p>
           <a:p>
             <a:r>
-              <a:rPr lang="en-US" dirty="0" smtClean="0"/>
+              <a:rPr lang="en-US" dirty="0"/>
               <a:t>Survey different aspects of the “</a:t>
             </a:r>
             <a:r>
-              <a:rPr lang="en-US" dirty="0" smtClean="0">
+              <a:rPr lang="en-US" dirty="0">
                 <a:solidFill>
                   <a:srgbClr val="FF0000"/>
                 </a:solidFill>
@@ -5807,7 +5697,7 @@
               <a:t>essential transit users</a:t>
             </a:r>
             <a:r>
-              <a:rPr lang="en-US" dirty="0" smtClean="0"/>
+              <a:rPr lang="en-US" dirty="0"/>
               <a:t>” during the pandemic, including mobility, social-economic, and demographic information.</a:t>
             </a:r>
           </a:p>
@@ -5871,10 +5761,9 @@
           <a:lstStyle/>
           <a:p>
             <a:r>
-              <a:rPr lang="en-US" dirty="0" smtClean="0"/>
+              <a:rPr lang="en-US" dirty="0"/>
               <a:t>Your occupation matters</a:t>
             </a:r>
-            <a:endParaRPr lang="en-US" dirty="0"/>
           </a:p>
         </p:txBody>
       </p:sp>
@@ -5899,17 +5788,17 @@
               <a:buNone/>
             </a:pPr>
             <a:r>
-              <a:rPr lang="en-US" dirty="0" smtClean="0"/>
+              <a:rPr lang="en-US" dirty="0"/>
               <a:t>From our research:</a:t>
             </a:r>
           </a:p>
           <a:p>
             <a:r>
-              <a:rPr lang="en-US" dirty="0" smtClean="0"/>
+              <a:rPr lang="en-US" dirty="0"/>
               <a:t>The amount of essential transit passengers is highly correlated with </a:t>
             </a:r>
             <a:r>
-              <a:rPr lang="en-US" dirty="0" smtClean="0">
+              <a:rPr lang="en-US" dirty="0">
                 <a:solidFill>
                   <a:srgbClr val="FF0000"/>
                 </a:solidFill>
@@ -5919,11 +5808,11 @@
           </a:p>
           <a:p>
             <a:r>
-              <a:rPr lang="en-US" dirty="0" smtClean="0"/>
+              <a:rPr lang="en-US" dirty="0"/>
               <a:t>Or: </a:t>
             </a:r>
             <a:r>
-              <a:rPr lang="en-US" dirty="0" smtClean="0">
+              <a:rPr lang="en-US" dirty="0">
                 <a:solidFill>
                   <a:srgbClr val="FF0000"/>
                 </a:solidFill>
@@ -5935,59 +5824,58 @@
             <a:pPr marL="0" indent="0">
               <a:buNone/>
             </a:pPr>
-            <a:endParaRPr lang="en-US" dirty="0" smtClean="0"/>
+            <a:endParaRPr lang="en-US" dirty="0"/>
           </a:p>
           <a:p>
             <a:pPr marL="0" indent="0">
               <a:buNone/>
             </a:pPr>
             <a:r>
-              <a:rPr lang="en-US" dirty="0" smtClean="0"/>
+              <a:rPr lang="en-US" dirty="0"/>
               <a:t>From the survey:</a:t>
             </a:r>
           </a:p>
           <a:p>
             <a:r>
-              <a:rPr lang="en-US" dirty="0" smtClean="0"/>
+              <a:rPr lang="en-US" dirty="0"/>
               <a:t>The top 4 industry: </a:t>
             </a:r>
           </a:p>
           <a:p>
             <a:pPr lvl="1"/>
             <a:r>
-              <a:rPr lang="en-US" dirty="0" smtClean="0"/>
+              <a:rPr lang="en-US" dirty="0"/>
               <a:t>Food;</a:t>
             </a:r>
           </a:p>
           <a:p>
             <a:pPr lvl="1"/>
             <a:r>
-              <a:rPr lang="en-US" dirty="0" smtClean="0"/>
+              <a:rPr lang="en-US" dirty="0"/>
               <a:t>Health care;</a:t>
             </a:r>
           </a:p>
           <a:p>
             <a:pPr lvl="1"/>
             <a:r>
-              <a:rPr lang="en-US" dirty="0" smtClean="0"/>
+              <a:rPr lang="en-US" dirty="0"/>
               <a:t>Sales;</a:t>
             </a:r>
           </a:p>
           <a:p>
             <a:pPr lvl="1"/>
             <a:r>
-              <a:rPr lang="en-US" dirty="0" smtClean="0"/>
+              <a:rPr lang="en-US" dirty="0"/>
               <a:t>Health care </a:t>
             </a:r>
             <a:r>
-              <a:rPr lang="en-US" dirty="0" err="1" smtClean="0"/>
+              <a:rPr lang="en-US" dirty="0" err="1"/>
               <a:t>practioners</a:t>
             </a:r>
             <a:r>
-              <a:rPr lang="en-US" dirty="0" smtClean="0"/>
+              <a:rPr lang="en-US" dirty="0"/>
               <a:t> and technical</a:t>
             </a:r>
-            <a:endParaRPr lang="en-US" dirty="0"/>
           </a:p>
         </p:txBody>
       </p:sp>
@@ -6019,11 +5907,7 @@
             </a:pPr>
             <a:r>
               <a:rPr lang="en-US" sz="2400" dirty="0"/>
-              <a:t>The least 4 </a:t>
-            </a:r>
-            <a:r>
-              <a:rPr lang="en-US" sz="2400" dirty="0" smtClean="0"/>
-              <a:t>industry:</a:t>
+              <a:t>The least 4 industry:</a:t>
             </a:r>
           </a:p>
           <a:p>

--- a/doc/transit_app.pptx
+++ b/doc/transit_app.pptx
@@ -11,8 +11,8 @@
     <p:sldId id="283" r:id="rId5"/>
     <p:sldId id="271" r:id="rId6"/>
     <p:sldId id="276" r:id="rId7"/>
-    <p:sldId id="278" r:id="rId8"/>
-    <p:sldId id="277" r:id="rId9"/>
+    <p:sldId id="277" r:id="rId8"/>
+    <p:sldId id="278" r:id="rId9"/>
     <p:sldId id="280" r:id="rId10"/>
     <p:sldId id="281" r:id="rId11"/>
     <p:sldId id="282" r:id="rId12"/>
@@ -274,7 +274,7 @@
           <a:p>
             <a:fld id="{F24761F3-EBE3-47CA-9C15-B1B8E3A6DAF7}" type="datetimeFigureOut">
               <a:rPr lang="en-US" smtClean="0"/>
-              <a:t>5/5/2020</a:t>
+              <a:t>5/6/2020</a:t>
             </a:fld>
             <a:endParaRPr lang="en-US"/>
           </a:p>
@@ -442,7 +442,7 @@
           <a:p>
             <a:fld id="{F24761F3-EBE3-47CA-9C15-B1B8E3A6DAF7}" type="datetimeFigureOut">
               <a:rPr lang="en-US" smtClean="0"/>
-              <a:t>5/5/2020</a:t>
+              <a:t>5/6/2020</a:t>
             </a:fld>
             <a:endParaRPr lang="en-US"/>
           </a:p>
@@ -620,7 +620,7 @@
           <a:p>
             <a:fld id="{F24761F3-EBE3-47CA-9C15-B1B8E3A6DAF7}" type="datetimeFigureOut">
               <a:rPr lang="en-US" smtClean="0"/>
-              <a:t>5/5/2020</a:t>
+              <a:t>5/6/2020</a:t>
             </a:fld>
             <a:endParaRPr lang="en-US"/>
           </a:p>
@@ -788,7 +788,7 @@
           <a:p>
             <a:fld id="{F24761F3-EBE3-47CA-9C15-B1B8E3A6DAF7}" type="datetimeFigureOut">
               <a:rPr lang="en-US" smtClean="0"/>
-              <a:t>5/5/2020</a:t>
+              <a:t>5/6/2020</a:t>
             </a:fld>
             <a:endParaRPr lang="en-US"/>
           </a:p>
@@ -1033,7 +1033,7 @@
           <a:p>
             <a:fld id="{F24761F3-EBE3-47CA-9C15-B1B8E3A6DAF7}" type="datetimeFigureOut">
               <a:rPr lang="en-US" smtClean="0"/>
-              <a:t>5/5/2020</a:t>
+              <a:t>5/6/2020</a:t>
             </a:fld>
             <a:endParaRPr lang="en-US"/>
           </a:p>
@@ -1262,7 +1262,7 @@
           <a:p>
             <a:fld id="{F24761F3-EBE3-47CA-9C15-B1B8E3A6DAF7}" type="datetimeFigureOut">
               <a:rPr lang="en-US" smtClean="0"/>
-              <a:t>5/5/2020</a:t>
+              <a:t>5/6/2020</a:t>
             </a:fld>
             <a:endParaRPr lang="en-US"/>
           </a:p>
@@ -1626,7 +1626,7 @@
           <a:p>
             <a:fld id="{F24761F3-EBE3-47CA-9C15-B1B8E3A6DAF7}" type="datetimeFigureOut">
               <a:rPr lang="en-US" smtClean="0"/>
-              <a:t>5/5/2020</a:t>
+              <a:t>5/6/2020</a:t>
             </a:fld>
             <a:endParaRPr lang="en-US"/>
           </a:p>
@@ -1743,7 +1743,7 @@
           <a:p>
             <a:fld id="{F24761F3-EBE3-47CA-9C15-B1B8E3A6DAF7}" type="datetimeFigureOut">
               <a:rPr lang="en-US" smtClean="0"/>
-              <a:t>5/5/2020</a:t>
+              <a:t>5/6/2020</a:t>
             </a:fld>
             <a:endParaRPr lang="en-US"/>
           </a:p>
@@ -1838,7 +1838,7 @@
           <a:p>
             <a:fld id="{F24761F3-EBE3-47CA-9C15-B1B8E3A6DAF7}" type="datetimeFigureOut">
               <a:rPr lang="en-US" smtClean="0"/>
-              <a:t>5/5/2020</a:t>
+              <a:t>5/6/2020</a:t>
             </a:fld>
             <a:endParaRPr lang="en-US"/>
           </a:p>
@@ -2113,7 +2113,7 @@
           <a:p>
             <a:fld id="{F24761F3-EBE3-47CA-9C15-B1B8E3A6DAF7}" type="datetimeFigureOut">
               <a:rPr lang="en-US" smtClean="0"/>
-              <a:t>5/5/2020</a:t>
+              <a:t>5/6/2020</a:t>
             </a:fld>
             <a:endParaRPr lang="en-US"/>
           </a:p>
@@ -2365,7 +2365,7 @@
           <a:p>
             <a:fld id="{F24761F3-EBE3-47CA-9C15-B1B8E3A6DAF7}" type="datetimeFigureOut">
               <a:rPr lang="en-US" smtClean="0"/>
-              <a:t>5/5/2020</a:t>
+              <a:t>5/6/2020</a:t>
             </a:fld>
             <a:endParaRPr lang="en-US"/>
           </a:p>
@@ -2576,7 +2576,7 @@
           <a:p>
             <a:fld id="{F24761F3-EBE3-47CA-9C15-B1B8E3A6DAF7}" type="datetimeFigureOut">
               <a:rPr lang="en-US" smtClean="0"/>
-              <a:t>5/5/2020</a:t>
+              <a:t>5/6/2020</a:t>
             </a:fld>
             <a:endParaRPr lang="en-US"/>
           </a:p>
@@ -3076,6 +3076,13 @@
   <p:clrMapOvr>
     <a:masterClrMapping/>
   </p:clrMapOvr>
+  <p:timing>
+    <p:tnLst>
+      <p:par>
+        <p:cTn id="1" dur="indefinite" restart="never" nodeType="tmRoot"/>
+      </p:par>
+    </p:tnLst>
+  </p:timing>
 </p:sld>
 </file>
 
@@ -4505,6 +4512,13 @@
   <p:clrMapOvr>
     <a:masterClrMapping/>
   </p:clrMapOvr>
+  <p:timing>
+    <p:tnLst>
+      <p:par>
+        <p:cTn id="1" dur="indefinite" restart="never" nodeType="tmRoot"/>
+      </p:par>
+    </p:tnLst>
+  </p:timing>
 </p:sld>
 </file>
 
@@ -5582,39 +5596,68 @@
           <a:lstStyle/>
           <a:p>
             <a:r>
-              <a:rPr lang="en-US" altLang="zh-CN" dirty="0"/>
-              <a:t>Who are still using transit during the pandemic</a:t>
-            </a:r>
+              <a:rPr lang="en-US" dirty="0"/>
+              <a:t>Survey</a:t>
+            </a:r>
+          </a:p>
+        </p:txBody>
+      </p:sp>
+      <p:sp>
+        <p:nvSpPr>
+          <p:cNvPr id="3" name="Content Placeholder 2"/>
+          <p:cNvSpPr>
+            <a:spLocks noGrp="1"/>
+          </p:cNvSpPr>
+          <p:nvPr>
+            <p:ph idx="1"/>
+          </p:nvPr>
+        </p:nvSpPr>
+        <p:spPr/>
+        <p:txBody>
+          <a:bodyPr/>
+          <a:lstStyle/>
+          <a:p>
+            <a:r>
+              <a:rPr lang="en-US" dirty="0"/>
+              <a:t>Transit app conduced a user survey (n= 25000, n = 15000 in US) about who are still using the transit during the pandemic.</a:t>
+            </a:r>
+          </a:p>
+          <a:p>
+            <a:r>
+              <a:rPr lang="en-US" dirty="0"/>
+              <a:t>Survey different aspects of the “</a:t>
+            </a:r>
+            <a:r>
+              <a:rPr lang="en-US" dirty="0">
+                <a:solidFill>
+                  <a:srgbClr val="FF0000"/>
+                </a:solidFill>
+              </a:rPr>
+              <a:t>essential transit users</a:t>
+            </a:r>
+            <a:r>
+              <a:rPr lang="en-US" dirty="0"/>
+              <a:t>” during the pandemic, including mobility, social-economic, and demographic information.</a:t>
+            </a:r>
+          </a:p>
+          <a:p>
             <a:endParaRPr lang="en-US" dirty="0"/>
           </a:p>
-        </p:txBody>
-      </p:sp>
-      <p:sp>
-        <p:nvSpPr>
-          <p:cNvPr id="3" name="Text Placeholder 2"/>
-          <p:cNvSpPr>
-            <a:spLocks noGrp="1"/>
-          </p:cNvSpPr>
-          <p:nvPr>
-            <p:ph type="body" idx="1"/>
-          </p:nvPr>
-        </p:nvSpPr>
-        <p:spPr/>
-        <p:txBody>
-          <a:bodyPr/>
-          <a:lstStyle/>
-          <a:p>
-            <a:r>
-              <a:rPr lang="en-US" dirty="0"/>
-              <a:t>Some conclusions from our research and the survey by Transit app</a:t>
-            </a:r>
+          <a:p>
+            <a:r>
+              <a:rPr lang="en-US" dirty="0"/>
+              <a:t>Different data source, same conclusions.</a:t>
+            </a:r>
+          </a:p>
+          <a:p>
+            <a:endParaRPr lang="en-US" dirty="0"/>
           </a:p>
         </p:txBody>
       </p:sp>
     </p:spTree>
     <p:extLst>
       <p:ext uri="{BB962C8B-B14F-4D97-AF65-F5344CB8AC3E}">
-        <p14:creationId xmlns:p14="http://schemas.microsoft.com/office/powerpoint/2010/main" val="2230177466"/>
+        <p14:creationId xmlns:p14="http://schemas.microsoft.com/office/powerpoint/2010/main" val="2674071149"/>
       </p:ext>
     </p:extLst>
   </p:cSld>
@@ -5657,68 +5700,39 @@
           <a:lstStyle/>
           <a:p>
             <a:r>
-              <a:rPr lang="en-US" dirty="0"/>
-              <a:t>Survey</a:t>
-            </a:r>
-          </a:p>
-        </p:txBody>
-      </p:sp>
-      <p:sp>
-        <p:nvSpPr>
-          <p:cNvPr id="3" name="Content Placeholder 2"/>
-          <p:cNvSpPr>
-            <a:spLocks noGrp="1"/>
-          </p:cNvSpPr>
-          <p:nvPr>
-            <p:ph idx="1"/>
-          </p:nvPr>
-        </p:nvSpPr>
-        <p:spPr/>
-        <p:txBody>
-          <a:bodyPr/>
-          <a:lstStyle/>
-          <a:p>
-            <a:r>
-              <a:rPr lang="en-US" dirty="0"/>
-              <a:t>Transit app conduced a user survey (n= 25000, n = 15000 in US) about who are still using the transit during the pandemic.</a:t>
-            </a:r>
-          </a:p>
-          <a:p>
-            <a:r>
-              <a:rPr lang="en-US" dirty="0"/>
-              <a:t>Survey different aspects of the “</a:t>
-            </a:r>
-            <a:r>
-              <a:rPr lang="en-US" dirty="0">
-                <a:solidFill>
-                  <a:srgbClr val="FF0000"/>
-                </a:solidFill>
-              </a:rPr>
-              <a:t>essential transit users</a:t>
-            </a:r>
-            <a:r>
-              <a:rPr lang="en-US" dirty="0"/>
-              <a:t>” during the pandemic, including mobility, social-economic, and demographic information.</a:t>
-            </a:r>
-          </a:p>
-          <a:p>
+              <a:rPr lang="en-US" altLang="zh-CN" dirty="0"/>
+              <a:t>Who are still using transit during the pandemic</a:t>
+            </a:r>
             <a:endParaRPr lang="en-US" dirty="0"/>
           </a:p>
-          <a:p>
-            <a:r>
-              <a:rPr lang="en-US" dirty="0"/>
-              <a:t>Different data source, same conclusions.</a:t>
-            </a:r>
-          </a:p>
-          <a:p>
-            <a:endParaRPr lang="en-US" dirty="0"/>
+        </p:txBody>
+      </p:sp>
+      <p:sp>
+        <p:nvSpPr>
+          <p:cNvPr id="3" name="Text Placeholder 2"/>
+          <p:cNvSpPr>
+            <a:spLocks noGrp="1"/>
+          </p:cNvSpPr>
+          <p:nvPr>
+            <p:ph type="body" idx="1"/>
+          </p:nvPr>
+        </p:nvSpPr>
+        <p:spPr/>
+        <p:txBody>
+          <a:bodyPr/>
+          <a:lstStyle/>
+          <a:p>
+            <a:r>
+              <a:rPr lang="en-US" dirty="0"/>
+              <a:t>Some conclusions from our research and the survey by Transit app</a:t>
+            </a:r>
           </a:p>
         </p:txBody>
       </p:sp>
     </p:spTree>
     <p:extLst>
       <p:ext uri="{BB962C8B-B14F-4D97-AF65-F5344CB8AC3E}">
-        <p14:creationId xmlns:p14="http://schemas.microsoft.com/office/powerpoint/2010/main" val="2674071149"/>
+        <p14:creationId xmlns:p14="http://schemas.microsoft.com/office/powerpoint/2010/main" val="2230177466"/>
       </p:ext>
     </p:extLst>
   </p:cSld>
